--- a/宣道詩/(宣道詩71)求主耶和華領我.pptx
+++ b/宣道詩/(宣道詩71)求主耶和華領我.pptx
@@ -5,15 +5,22 @@
     <p:sldMasterId id="2147483672" r:id="rId1"/>
   </p:sldMasterIdLst>
   <p:notesMasterIdLst>
-    <p:notesMasterId r:id="rId5"/>
+    <p:notesMasterId r:id="rId12"/>
   </p:notesMasterIdLst>
   <p:handoutMasterIdLst>
-    <p:handoutMasterId r:id="rId6"/>
+    <p:handoutMasterId r:id="rId13"/>
   </p:handoutMasterIdLst>
   <p:sldIdLst>
-    <p:sldId id="1601" r:id="rId2"/>
-    <p:sldId id="1602" r:id="rId3"/>
-    <p:sldId id="1603" r:id="rId4"/>
+    <p:sldId id="1604" r:id="rId2"/>
+    <p:sldId id="1605" r:id="rId3"/>
+    <p:sldId id="1606" r:id="rId4"/>
+    <p:sldId id="1607" r:id="rId5"/>
+    <p:sldId id="1608" r:id="rId6"/>
+    <p:sldId id="1609" r:id="rId7"/>
+    <p:sldId id="1610" r:id="rId8"/>
+    <p:sldId id="1611" r:id="rId9"/>
+    <p:sldId id="1612" r:id="rId10"/>
+    <p:sldId id="1613" r:id="rId11"/>
   </p:sldIdLst>
   <p:sldSz cx="12192000" cy="6858000"/>
   <p:notesSz cx="6858000" cy="9144000"/>
@@ -3719,7 +3726,7 @@
       </p:grpSpPr>
       <p:sp>
         <p:nvSpPr>
-          <p:cNvPr id="2" name="Title 1"/>
+          <p:cNvPr id="4" name="標題 3"/>
           <p:cNvSpPr>
             <a:spLocks noGrp="1"/>
           </p:cNvSpPr>
@@ -3727,123 +3734,213 @@
             <p:ph type="title"/>
           </p:nvPr>
         </p:nvSpPr>
-        <p:spPr/>
+        <p:spPr>
+          <a:xfrm>
+            <a:off x="0" y="2756925"/>
+            <a:ext cx="12192000" cy="1143000"/>
+          </a:xfrm>
+        </p:spPr>
         <p:txBody>
           <a:bodyPr>
+            <a:noAutofit/>
+          </a:bodyPr>
+          <a:lstStyle/>
+          <a:p>
+            <a:r>
+              <a:rPr lang="zh-CN" altLang="en-US" sz="5333" b="1" u="sng" dirty="0">
+                <a:solidFill>
+                  <a:srgbClr val="660033"/>
+                </a:solidFill>
+                <a:effectLst>
+                  <a:outerShdw blurRad="38100" dist="38100" dir="2700000" algn="tl">
+                    <a:srgbClr val="000000">
+                      <a:alpha val="43137"/>
+                    </a:srgbClr>
+                  </a:outerShdw>
+                </a:effectLst>
+                <a:latin typeface="微軟正黑體" pitchFamily="34" charset="-120"/>
+                <a:ea typeface="微軟正黑體" pitchFamily="34" charset="-120"/>
+              </a:rPr>
+              <a:t>宣道詩 </a:t>
+            </a:r>
+            <a:r>
+              <a:rPr lang="en-US" altLang="zh-CN" sz="5333" b="1" u="sng" dirty="0">
+                <a:solidFill>
+                  <a:srgbClr val="660033"/>
+                </a:solidFill>
+                <a:effectLst>
+                  <a:outerShdw blurRad="38100" dist="38100" dir="2700000" algn="tl">
+                    <a:srgbClr val="000000">
+                      <a:alpha val="43137"/>
+                    </a:srgbClr>
+                  </a:outerShdw>
+                </a:effectLst>
+                <a:latin typeface="微軟正黑體" pitchFamily="34" charset="-120"/>
+                <a:ea typeface="微軟正黑體" pitchFamily="34" charset="-120"/>
+              </a:rPr>
+              <a:t>71</a:t>
+            </a:r>
+            <a:r>
+              <a:rPr lang="en-US" altLang="zh-CN" sz="7200" b="1" i="1" dirty="0">
+                <a:solidFill>
+                  <a:srgbClr val="660033"/>
+                </a:solidFill>
+                <a:effectLst>
+                  <a:outerShdw blurRad="38100" dist="38100" dir="2700000" algn="tl">
+                    <a:srgbClr val="000000">
+                      <a:alpha val="43137"/>
+                    </a:srgbClr>
+                  </a:outerShdw>
+                </a:effectLst>
+                <a:latin typeface="微軟正黑體" pitchFamily="34" charset="-120"/>
+                <a:ea typeface="微軟正黑體" pitchFamily="34" charset="-120"/>
+              </a:rPr>
+              <a:t/>
+            </a:r>
+            <a:br>
+              <a:rPr lang="en-US" altLang="zh-CN" sz="7200" b="1" i="1" dirty="0">
+                <a:solidFill>
+                  <a:srgbClr val="660033"/>
+                </a:solidFill>
+                <a:effectLst>
+                  <a:outerShdw blurRad="38100" dist="38100" dir="2700000" algn="tl">
+                    <a:srgbClr val="000000">
+                      <a:alpha val="43137"/>
+                    </a:srgbClr>
+                  </a:outerShdw>
+                </a:effectLst>
+                <a:latin typeface="微軟正黑體" pitchFamily="34" charset="-120"/>
+                <a:ea typeface="微軟正黑體" pitchFamily="34" charset="-120"/>
+              </a:rPr>
+            </a:br>
+            <a:r>
+              <a:rPr lang="zh-TW" altLang="en-US" sz="8000" b="1" dirty="0">
+                <a:solidFill>
+                  <a:srgbClr val="000066"/>
+                </a:solidFill>
+                <a:effectLst>
+                  <a:outerShdw blurRad="38100" dist="38100" dir="2700000" algn="tl">
+                    <a:srgbClr val="000000">
+                      <a:alpha val="43137"/>
+                    </a:srgbClr>
+                  </a:outerShdw>
+                </a:effectLst>
+                <a:latin typeface="微軟正黑體" pitchFamily="34" charset="-120"/>
+                <a:ea typeface="微軟正黑體" pitchFamily="34" charset="-120"/>
+              </a:rPr>
+              <a:t>求</a:t>
+            </a:r>
+            <a:r>
+              <a:rPr lang="zh-TW" altLang="en-US" sz="8000" b="1" dirty="0">
+                <a:solidFill>
+                  <a:srgbClr val="000066"/>
+                </a:solidFill>
+                <a:effectLst>
+                  <a:outerShdw blurRad="38100" dist="38100" dir="2700000" algn="tl">
+                    <a:srgbClr val="000000">
+                      <a:alpha val="43137"/>
+                    </a:srgbClr>
+                  </a:outerShdw>
+                </a:effectLst>
+                <a:latin typeface="微軟正黑體" pitchFamily="34" charset="-120"/>
+                <a:ea typeface="微軟正黑體" pitchFamily="34" charset="-120"/>
+              </a:rPr>
+              <a:t>主耶和華領我</a:t>
+            </a:r>
+          </a:p>
+        </p:txBody>
+      </p:sp>
+    </p:spTree>
+    <p:extLst>
+      <p:ext uri="{BB962C8B-B14F-4D97-AF65-F5344CB8AC3E}">
+        <p14:creationId xmlns:p14="http://schemas.microsoft.com/office/powerpoint/2010/main" val="1980523924"/>
+      </p:ext>
+    </p:extLst>
+  </p:cSld>
+  <p:clrMapOvr>
+    <a:masterClrMapping/>
+  </p:clrMapOvr>
+  <p:timing>
+    <p:tnLst>
+      <p:par>
+        <p:cTn id="1" dur="indefinite" restart="never" nodeType="tmRoot"/>
+      </p:par>
+    </p:tnLst>
+  </p:timing>
+</p:sld>
+</file>
+
+<file path=ppt/slides/slide10.xml><?xml version="1.0" encoding="utf-8"?>
+<p:sld xmlns:a="http://schemas.openxmlformats.org/drawingml/2006/main" xmlns:r="http://schemas.openxmlformats.org/officeDocument/2006/relationships" xmlns:p="http://schemas.openxmlformats.org/presentationml/2006/main">
+  <p:cSld>
+    <p:spTree>
+      <p:nvGrpSpPr>
+        <p:cNvPr id="1" name=""/>
+        <p:cNvGrpSpPr/>
+        <p:nvPr/>
+      </p:nvGrpSpPr>
+      <p:grpSpPr>
+        <a:xfrm>
+          <a:off x="0" y="0"/>
+          <a:ext cx="0" cy="0"/>
+          <a:chOff x="0" y="0"/>
+          <a:chExt cx="0" cy="0"/>
+        </a:xfrm>
+      </p:grpSpPr>
+      <p:sp>
+        <p:nvSpPr>
+          <p:cNvPr id="5" name="內容版面配置區 4"/>
+          <p:cNvSpPr>
+            <a:spLocks noGrp="1"/>
+          </p:cNvSpPr>
+          <p:nvPr>
+            <p:ph idx="1"/>
+          </p:nvPr>
+        </p:nvSpPr>
+        <p:spPr>
+          <a:xfrm>
+            <a:off x="0" y="2084851"/>
+            <a:ext cx="12192000" cy="2404863"/>
+          </a:xfrm>
+        </p:spPr>
+        <p:txBody>
+          <a:bodyPr anchor="ctr">
             <a:normAutofit/>
           </a:bodyPr>
           <a:lstStyle/>
           <a:p>
-            <a:r>
-              <a:rPr lang="en-US" altLang="zh-TW" sz="4800" b="1" dirty="0">
-                <a:solidFill>
-                  <a:srgbClr val="002060"/>
-                </a:solidFill>
-                <a:latin typeface="Microsoft JhengHei" panose="020B0604030504040204" pitchFamily="34" charset="-120"/>
-                <a:ea typeface="Microsoft JhengHei" panose="020B0604030504040204" pitchFamily="34" charset="-120"/>
-                <a:cs typeface="+mn-cs"/>
-              </a:rPr>
-              <a:t>【</a:t>
-            </a:r>
-            <a:r>
-              <a:rPr lang="zh-TW" altLang="en-US" sz="4800" b="1" dirty="0">
-                <a:solidFill>
-                  <a:srgbClr val="002060"/>
-                </a:solidFill>
-                <a:latin typeface="Microsoft JhengHei" panose="020B0604030504040204" pitchFamily="34" charset="-120"/>
-                <a:ea typeface="Microsoft JhengHei" panose="020B0604030504040204" pitchFamily="34" charset="-120"/>
-                <a:cs typeface="+mn-cs"/>
-              </a:rPr>
-              <a:t>求主耶和華領我</a:t>
-            </a:r>
-            <a:r>
-              <a:rPr lang="en-US" altLang="zh-TW" sz="4800" b="1" dirty="0">
-                <a:solidFill>
-                  <a:srgbClr val="002060"/>
-                </a:solidFill>
-                <a:latin typeface="Microsoft JhengHei" panose="020B0604030504040204" pitchFamily="34" charset="-120"/>
-                <a:ea typeface="Microsoft JhengHei" panose="020B0604030504040204" pitchFamily="34" charset="-120"/>
-                <a:cs typeface="+mn-cs"/>
-              </a:rPr>
-              <a:t>】</a:t>
-            </a:r>
-          </a:p>
-        </p:txBody>
-      </p:sp>
-      <p:sp>
-        <p:nvSpPr>
-          <p:cNvPr id="3" name="Content Placeholder 2"/>
-          <p:cNvSpPr>
-            <a:spLocks noGrp="1"/>
-          </p:cNvSpPr>
-          <p:nvPr>
-            <p:ph idx="1"/>
-          </p:nvPr>
-        </p:nvSpPr>
-        <p:spPr>
-          <a:xfrm>
-            <a:off x="609600" y="1600203"/>
-            <a:ext cx="10972800" cy="5257797"/>
-          </a:xfrm>
-        </p:spPr>
-        <p:txBody>
-          <a:bodyPr>
-            <a:normAutofit/>
-          </a:bodyPr>
-          <a:lstStyle/>
-          <a:p>
             <a:pPr marL="0" indent="0" algn="ctr">
               <a:buNone/>
             </a:pPr>
             <a:r>
-              <a:rPr lang="zh-CN" altLang="zh-TW" sz="5400" b="1" dirty="0">
-                <a:solidFill>
-                  <a:srgbClr val="002060"/>
-                </a:solidFill>
-                <a:latin typeface="Microsoft JhengHei" panose="020B0604030504040204" pitchFamily="34" charset="-120"/>
-                <a:ea typeface="Microsoft JhengHei" panose="020B0604030504040204" pitchFamily="34" charset="-120"/>
-              </a:rPr>
-              <a:t>主耶和華求你領</a:t>
-            </a:r>
-            <a:r>
-              <a:rPr lang="zh-CN" altLang="zh-TW" sz="5400" b="1" dirty="0" smtClean="0">
-                <a:solidFill>
-                  <a:srgbClr val="002060"/>
-                </a:solidFill>
-                <a:latin typeface="Microsoft JhengHei" panose="020B0604030504040204" pitchFamily="34" charset="-120"/>
-                <a:ea typeface="Microsoft JhengHei" panose="020B0604030504040204" pitchFamily="34" charset="-120"/>
-              </a:rPr>
-              <a:t>我</a:t>
-            </a:r>
-            <a:r>
-              <a:rPr lang="en-US" altLang="zh-CN" sz="5400" b="1" dirty="0" smtClean="0">
-                <a:solidFill>
-                  <a:srgbClr val="002060"/>
-                </a:solidFill>
-                <a:latin typeface="Microsoft JhengHei" panose="020B0604030504040204" pitchFamily="34" charset="-120"/>
-                <a:ea typeface="Microsoft JhengHei" panose="020B0604030504040204" pitchFamily="34" charset="-120"/>
+              <a:rPr lang="zh-CN" altLang="zh-TW" sz="6400" b="1" cap="all" dirty="0">
+                <a:solidFill>
+                  <a:srgbClr val="000066"/>
+                </a:solidFill>
+                <a:latin typeface="微軟正黑體" pitchFamily="34" charset="-120"/>
+                <a:ea typeface="微軟正黑體" pitchFamily="34" charset="-120"/>
+              </a:rPr>
+              <a:t>謳歌頌讚</a:t>
+            </a:r>
+            <a:r>
+              <a:rPr lang="en-US" altLang="zh-CN" sz="6400" b="1" cap="all" dirty="0">
+                <a:solidFill>
+                  <a:srgbClr val="000066"/>
+                </a:solidFill>
+                <a:latin typeface="微軟正黑體" pitchFamily="34" charset="-120"/>
+                <a:ea typeface="微軟正黑體" pitchFamily="34" charset="-120"/>
               </a:rPr>
               <a:t>  </a:t>
             </a:r>
             <a:r>
-              <a:rPr lang="zh-CN" altLang="zh-TW" sz="5400" b="1" dirty="0" smtClean="0">
-                <a:solidFill>
-                  <a:srgbClr val="002060"/>
-                </a:solidFill>
-                <a:latin typeface="Microsoft JhengHei" panose="020B0604030504040204" pitchFamily="34" charset="-120"/>
-                <a:ea typeface="Microsoft JhengHei" panose="020B0604030504040204" pitchFamily="34" charset="-120"/>
-              </a:rPr>
-              <a:t>走</a:t>
-            </a:r>
-            <a:r>
-              <a:rPr lang="zh-CN" altLang="zh-TW" sz="5400" b="1" dirty="0">
-                <a:solidFill>
-                  <a:srgbClr val="002060"/>
-                </a:solidFill>
-                <a:latin typeface="Microsoft JhengHei" panose="020B0604030504040204" pitchFamily="34" charset="-120"/>
-                <a:ea typeface="Microsoft JhengHei" panose="020B0604030504040204" pitchFamily="34" charset="-120"/>
-              </a:rPr>
-              <a:t>過今世曠野路</a:t>
+              <a:rPr lang="zh-CN" altLang="zh-TW" sz="6400" b="1" cap="all" dirty="0">
+                <a:solidFill>
+                  <a:srgbClr val="000066"/>
+                </a:solidFill>
+                <a:latin typeface="微軟正黑體" pitchFamily="34" charset="-120"/>
+                <a:ea typeface="微軟正黑體" pitchFamily="34" charset="-120"/>
+              </a:rPr>
+              <a:t>我心奉獻永無疆</a:t>
             </a:r>
           </a:p>
           <a:p>
@@ -3851,198 +3948,44 @@
               <a:buNone/>
             </a:pPr>
             <a:r>
-              <a:rPr lang="zh-CN" altLang="zh-TW" sz="5400" b="1" dirty="0">
-                <a:solidFill>
-                  <a:srgbClr val="002060"/>
-                </a:solidFill>
-                <a:latin typeface="Microsoft JhengHei" panose="020B0604030504040204" pitchFamily="34" charset="-120"/>
-                <a:ea typeface="Microsoft JhengHei" panose="020B0604030504040204" pitchFamily="34" charset="-120"/>
-              </a:rPr>
-              <a:t>我無力量主有能</a:t>
-            </a:r>
-            <a:r>
-              <a:rPr lang="zh-CN" altLang="zh-TW" sz="5400" b="1" dirty="0" smtClean="0">
-                <a:solidFill>
-                  <a:srgbClr val="002060"/>
-                </a:solidFill>
-                <a:latin typeface="Microsoft JhengHei" panose="020B0604030504040204" pitchFamily="34" charset="-120"/>
-                <a:ea typeface="Microsoft JhengHei" panose="020B0604030504040204" pitchFamily="34" charset="-120"/>
-              </a:rPr>
-              <a:t>幹</a:t>
-            </a:r>
-            <a:r>
-              <a:rPr lang="en-US" altLang="zh-CN" sz="5400" b="1" dirty="0" smtClean="0">
-                <a:solidFill>
-                  <a:srgbClr val="002060"/>
-                </a:solidFill>
-                <a:latin typeface="Microsoft JhengHei" panose="020B0604030504040204" pitchFamily="34" charset="-120"/>
-                <a:ea typeface="Microsoft JhengHei" panose="020B0604030504040204" pitchFamily="34" charset="-120"/>
+              <a:rPr lang="zh-CN" altLang="zh-TW" sz="6400" b="1" cap="all" dirty="0">
+                <a:solidFill>
+                  <a:srgbClr val="000066"/>
+                </a:solidFill>
+                <a:latin typeface="微軟正黑體" pitchFamily="34" charset="-120"/>
+                <a:ea typeface="微軟正黑體" pitchFamily="34" charset="-120"/>
+                <a:sym typeface="+mn-ea"/>
+              </a:rPr>
+              <a:t>謳歌頌讚</a:t>
+            </a:r>
+            <a:r>
+              <a:rPr lang="en-US" altLang="zh-CN" sz="6400" b="1" cap="all" dirty="0">
+                <a:solidFill>
+                  <a:srgbClr val="000066"/>
+                </a:solidFill>
+                <a:latin typeface="微軟正黑體" pitchFamily="34" charset="-120"/>
+                <a:ea typeface="微軟正黑體" pitchFamily="34" charset="-120"/>
+                <a:sym typeface="+mn-ea"/>
               </a:rPr>
               <a:t>  </a:t>
             </a:r>
             <a:r>
-              <a:rPr lang="zh-CN" altLang="zh-TW" sz="5400" b="1" dirty="0" smtClean="0">
-                <a:solidFill>
-                  <a:srgbClr val="002060"/>
-                </a:solidFill>
-                <a:latin typeface="Microsoft JhengHei" panose="020B0604030504040204" pitchFamily="34" charset="-120"/>
-                <a:ea typeface="Microsoft JhengHei" panose="020B0604030504040204" pitchFamily="34" charset="-120"/>
-              </a:rPr>
-              <a:t>願</a:t>
-            </a:r>
-            <a:r>
-              <a:rPr lang="zh-CN" altLang="zh-TW" sz="5400" b="1" dirty="0">
-                <a:solidFill>
-                  <a:srgbClr val="002060"/>
-                </a:solidFill>
-                <a:latin typeface="Microsoft JhengHei" panose="020B0604030504040204" pitchFamily="34" charset="-120"/>
-                <a:ea typeface="Microsoft JhengHei" panose="020B0604030504040204" pitchFamily="34" charset="-120"/>
-              </a:rPr>
-              <a:t>主聖手常保</a:t>
-            </a:r>
-            <a:r>
-              <a:rPr lang="zh-CN" altLang="zh-TW" sz="5400" b="1" dirty="0" smtClean="0">
-                <a:solidFill>
-                  <a:srgbClr val="002060"/>
-                </a:solidFill>
-                <a:latin typeface="Microsoft JhengHei" panose="020B0604030504040204" pitchFamily="34" charset="-120"/>
-                <a:ea typeface="Microsoft JhengHei" panose="020B0604030504040204" pitchFamily="34" charset="-120"/>
-              </a:rPr>
-              <a:t>護</a:t>
-            </a:r>
-            <a:endParaRPr lang="en-US" altLang="zh-CN" sz="5400" b="1" dirty="0" smtClean="0">
+              <a:rPr lang="zh-CN" altLang="zh-TW" sz="6400" b="1" cap="all" dirty="0">
+                <a:solidFill>
+                  <a:srgbClr val="000066"/>
+                </a:solidFill>
+                <a:latin typeface="微軟正黑體" pitchFamily="34" charset="-120"/>
+                <a:ea typeface="微軟正黑體" pitchFamily="34" charset="-120"/>
+                <a:sym typeface="+mn-ea"/>
+              </a:rPr>
+              <a:t>我心奉獻永無疆</a:t>
+            </a:r>
+            <a:endParaRPr lang="zh-CN" altLang="zh-TW" sz="6400" b="1" cap="all" dirty="0">
               <a:solidFill>
-                <a:srgbClr val="002060"/>
+                <a:srgbClr val="000066"/>
               </a:solidFill>
-              <a:latin typeface="Microsoft JhengHei" panose="020B0604030504040204" pitchFamily="34" charset="-120"/>
-              <a:ea typeface="Microsoft JhengHei" panose="020B0604030504040204" pitchFamily="34" charset="-120"/>
-            </a:endParaRPr>
-          </a:p>
-          <a:p>
-            <a:pPr marL="0" indent="0" algn="ctr">
-              <a:buNone/>
-            </a:pPr>
-            <a:r>
-              <a:rPr lang="zh-CN" altLang="zh-TW" sz="5400" b="1" dirty="0">
-                <a:solidFill>
-                  <a:srgbClr val="002060"/>
-                </a:solidFill>
-                <a:latin typeface="Microsoft JhengHei" panose="020B0604030504040204" pitchFamily="34" charset="-120"/>
-                <a:ea typeface="Microsoft JhengHei" panose="020B0604030504040204" pitchFamily="34" charset="-120"/>
-              </a:rPr>
-              <a:t>天上嗎</a:t>
-            </a:r>
-            <a:r>
-              <a:rPr lang="zh-CN" altLang="zh-TW" sz="5400" b="1" dirty="0">
-                <a:solidFill>
-                  <a:srgbClr val="002060"/>
-                </a:solidFill>
-                <a:latin typeface="Microsoft JhengHei" panose="020B0604030504040204" pitchFamily="34" charset="-120"/>
-                <a:ea typeface="Microsoft JhengHei" panose="020B0604030504040204" pitchFamily="34" charset="-120"/>
-              </a:rPr>
-              <a:t>哪</a:t>
-            </a:r>
-            <a:r>
-              <a:rPr lang="en-US" altLang="zh-CN" sz="5400" b="1" dirty="0">
-                <a:solidFill>
-                  <a:srgbClr val="002060"/>
-                </a:solidFill>
-                <a:latin typeface="Microsoft JhengHei" panose="020B0604030504040204" pitchFamily="34" charset="-120"/>
-                <a:ea typeface="Microsoft JhengHei" panose="020B0604030504040204" pitchFamily="34" charset="-120"/>
-              </a:rPr>
-              <a:t>  </a:t>
-            </a:r>
-            <a:r>
-              <a:rPr lang="zh-CN" altLang="zh-TW" sz="5400" b="1" dirty="0">
-                <a:solidFill>
-                  <a:srgbClr val="002060"/>
-                </a:solidFill>
-                <a:latin typeface="Microsoft JhengHei" panose="020B0604030504040204" pitchFamily="34" charset="-120"/>
-                <a:ea typeface="Microsoft JhengHei" panose="020B0604030504040204" pitchFamily="34" charset="-120"/>
-              </a:rPr>
-              <a:t>求</a:t>
-            </a:r>
-            <a:r>
-              <a:rPr lang="zh-CN" altLang="zh-TW" sz="5400" b="1" dirty="0">
-                <a:solidFill>
-                  <a:srgbClr val="002060"/>
-                </a:solidFill>
-                <a:latin typeface="Microsoft JhengHei" panose="020B0604030504040204" pitchFamily="34" charset="-120"/>
-                <a:ea typeface="Microsoft JhengHei" panose="020B0604030504040204" pitchFamily="34" charset="-120"/>
-              </a:rPr>
-              <a:t>主時常賜給我</a:t>
-            </a:r>
-          </a:p>
-          <a:p>
-            <a:pPr marL="0" indent="0" algn="ctr">
-              <a:buNone/>
-            </a:pPr>
-            <a:r>
-              <a:rPr lang="zh-CN" altLang="zh-TW" sz="5400" b="1" dirty="0">
-                <a:solidFill>
-                  <a:srgbClr val="002060"/>
-                </a:solidFill>
-                <a:latin typeface="Microsoft JhengHei" panose="020B0604030504040204" pitchFamily="34" charset="-120"/>
-                <a:ea typeface="Microsoft JhengHei" panose="020B0604030504040204" pitchFamily="34" charset="-120"/>
-              </a:rPr>
-              <a:t>天上嗎</a:t>
-            </a:r>
-            <a:r>
-              <a:rPr lang="zh-CN" altLang="zh-TW" sz="5400" b="1" dirty="0">
-                <a:solidFill>
-                  <a:srgbClr val="002060"/>
-                </a:solidFill>
-                <a:latin typeface="Microsoft JhengHei" panose="020B0604030504040204" pitchFamily="34" charset="-120"/>
-                <a:ea typeface="Microsoft JhengHei" panose="020B0604030504040204" pitchFamily="34" charset="-120"/>
-              </a:rPr>
-              <a:t>哪</a:t>
-            </a:r>
-            <a:r>
-              <a:rPr lang="en-US" altLang="zh-CN" sz="5400" b="1" dirty="0">
-                <a:solidFill>
-                  <a:srgbClr val="002060"/>
-                </a:solidFill>
-                <a:latin typeface="Microsoft JhengHei" panose="020B0604030504040204" pitchFamily="34" charset="-120"/>
-                <a:ea typeface="Microsoft JhengHei" panose="020B0604030504040204" pitchFamily="34" charset="-120"/>
-              </a:rPr>
-              <a:t>  </a:t>
-            </a:r>
-            <a:r>
-              <a:rPr lang="zh-CN" altLang="zh-TW" sz="5400" b="1" dirty="0">
-                <a:solidFill>
-                  <a:srgbClr val="002060"/>
-                </a:solidFill>
-                <a:latin typeface="Microsoft JhengHei" panose="020B0604030504040204" pitchFamily="34" charset="-120"/>
-                <a:ea typeface="Microsoft JhengHei" panose="020B0604030504040204" pitchFamily="34" charset="-120"/>
-              </a:rPr>
-              <a:t>求</a:t>
-            </a:r>
-            <a:r>
-              <a:rPr lang="zh-CN" altLang="zh-TW" sz="5400" b="1" dirty="0">
-                <a:solidFill>
-                  <a:srgbClr val="002060"/>
-                </a:solidFill>
-                <a:latin typeface="Microsoft JhengHei" panose="020B0604030504040204" pitchFamily="34" charset="-120"/>
-                <a:ea typeface="Microsoft JhengHei" panose="020B0604030504040204" pitchFamily="34" charset="-120"/>
-              </a:rPr>
-              <a:t>主時常賜給</a:t>
-            </a:r>
-            <a:r>
-              <a:rPr lang="zh-CN" altLang="zh-TW" sz="5400" b="1" dirty="0">
-                <a:solidFill>
-                  <a:srgbClr val="002060"/>
-                </a:solidFill>
-                <a:latin typeface="Microsoft JhengHei" panose="020B0604030504040204" pitchFamily="34" charset="-120"/>
-                <a:ea typeface="Microsoft JhengHei" panose="020B0604030504040204" pitchFamily="34" charset="-120"/>
-              </a:rPr>
-              <a:t>我</a:t>
-            </a:r>
-            <a:endParaRPr lang="zh-CN" altLang="zh-TW" sz="5400" b="1" dirty="0">
-              <a:solidFill>
-                <a:srgbClr val="002060"/>
-              </a:solidFill>
-              <a:latin typeface="Microsoft JhengHei" panose="020B0604030504040204" pitchFamily="34" charset="-120"/>
-              <a:ea typeface="Microsoft JhengHei" panose="020B0604030504040204" pitchFamily="34" charset="-120"/>
+              <a:latin typeface="微軟正黑體" pitchFamily="34" charset="-120"/>
+              <a:ea typeface="微軟正黑體" pitchFamily="34" charset="-120"/>
             </a:endParaRPr>
           </a:p>
         </p:txBody>
@@ -4055,8 +3998,8 @@
         </p:nvSpPr>
         <p:spPr>
           <a:xfrm>
-            <a:off x="0" y="1700808"/>
-            <a:ext cx="936104" cy="830997"/>
+            <a:off x="0" y="5061181"/>
+            <a:ext cx="12192000" cy="666786"/>
           </a:xfrm>
           <a:prstGeom prst="rect">
             <a:avLst/>
@@ -4069,17 +4012,34 @@
           </a:bodyPr>
           <a:lstStyle/>
           <a:p>
-            <a:r>
-              <a:rPr lang="en-US" sz="4800" b="1" dirty="0" smtClean="0">
-                <a:solidFill>
-                  <a:srgbClr val="002060"/>
-                </a:solidFill>
-              </a:rPr>
-              <a:t>1.</a:t>
-            </a:r>
-            <a:endParaRPr lang="vi-VN" sz="4800" b="1" dirty="0">
+            <a:pPr algn="ctr"/>
+            <a:r>
+              <a:rPr lang="en-US" sz="3733" b="1" dirty="0">
+                <a:solidFill>
+                  <a:srgbClr val="000066"/>
+                </a:solidFill>
+              </a:rPr>
+              <a:t>( </a:t>
+            </a:r>
+            <a:r>
+              <a:rPr lang="en-US" sz="3733" b="1" dirty="0">
+                <a:solidFill>
+                  <a:srgbClr val="000066"/>
+                </a:solidFill>
+              </a:rPr>
+              <a:t>3 / 3 </a:t>
+            </a:r>
+            <a:r>
+              <a:rPr lang="en-US" sz="3733" b="1" dirty="0">
+                <a:solidFill>
+                  <a:srgbClr val="000066"/>
+                </a:solidFill>
+              </a:rPr>
+              <a:t>)</a:t>
+            </a:r>
+            <a:endParaRPr lang="vi-VN" sz="3733" b="1" dirty="0">
               <a:solidFill>
-                <a:srgbClr val="002060"/>
+                <a:srgbClr val="000066"/>
               </a:solidFill>
             </a:endParaRPr>
           </a:p>
@@ -4088,7 +4048,7 @@
     </p:spTree>
     <p:extLst>
       <p:ext uri="{BB962C8B-B14F-4D97-AF65-F5344CB8AC3E}">
-        <p14:creationId xmlns:p14="http://schemas.microsoft.com/office/powerpoint/2010/main" val="2615987339"/>
+        <p14:creationId xmlns:p14="http://schemas.microsoft.com/office/powerpoint/2010/main" val="984770904"/>
       </p:ext>
     </p:extLst>
   </p:cSld>
@@ -4117,334 +4077,91 @@
       </p:grpSpPr>
       <p:sp>
         <p:nvSpPr>
-          <p:cNvPr id="2" name="Title 1"/>
-          <p:cNvSpPr>
-            <a:spLocks noGrp="1"/>
-          </p:cNvSpPr>
-          <p:nvPr>
-            <p:ph type="title"/>
-          </p:nvPr>
-        </p:nvSpPr>
-        <p:spPr/>
-        <p:txBody>
-          <a:bodyPr>
+          <p:cNvPr id="5" name="內容版面配置區 4"/>
+          <p:cNvSpPr>
+            <a:spLocks noGrp="1"/>
+          </p:cNvSpPr>
+          <p:nvPr>
+            <p:ph idx="1"/>
+          </p:nvPr>
+        </p:nvSpPr>
+        <p:spPr>
+          <a:xfrm>
+            <a:off x="0" y="2084851"/>
+            <a:ext cx="12192000" cy="2404863"/>
+          </a:xfrm>
+        </p:spPr>
+        <p:txBody>
+          <a:bodyPr anchor="ctr">
             <a:normAutofit/>
           </a:bodyPr>
           <a:lstStyle/>
           <a:p>
-            <a:r>
-              <a:rPr lang="en-US" altLang="zh-TW" sz="4800" b="1" dirty="0">
-                <a:solidFill>
-                  <a:srgbClr val="002060"/>
-                </a:solidFill>
-                <a:latin typeface="Microsoft JhengHei" panose="020B0604030504040204" pitchFamily="34" charset="-120"/>
-                <a:ea typeface="Microsoft JhengHei" panose="020B0604030504040204" pitchFamily="34" charset="-120"/>
-                <a:cs typeface="+mn-cs"/>
-              </a:rPr>
-              <a:t>【</a:t>
-            </a:r>
-            <a:r>
-              <a:rPr lang="zh-TW" altLang="en-US" sz="4800" b="1" dirty="0">
-                <a:solidFill>
-                  <a:srgbClr val="002060"/>
-                </a:solidFill>
-                <a:latin typeface="Microsoft JhengHei" panose="020B0604030504040204" pitchFamily="34" charset="-120"/>
-                <a:ea typeface="Microsoft JhengHei" panose="020B0604030504040204" pitchFamily="34" charset="-120"/>
-                <a:cs typeface="+mn-cs"/>
-              </a:rPr>
-              <a:t>求主耶和華領我</a:t>
-            </a:r>
-            <a:r>
-              <a:rPr lang="en-US" altLang="zh-TW" sz="4800" b="1" dirty="0">
-                <a:solidFill>
-                  <a:srgbClr val="002060"/>
-                </a:solidFill>
-                <a:latin typeface="Microsoft JhengHei" panose="020B0604030504040204" pitchFamily="34" charset="-120"/>
-                <a:ea typeface="Microsoft JhengHei" panose="020B0604030504040204" pitchFamily="34" charset="-120"/>
-                <a:cs typeface="+mn-cs"/>
-              </a:rPr>
-              <a:t>】</a:t>
-            </a:r>
-          </a:p>
-        </p:txBody>
-      </p:sp>
-      <p:sp>
-        <p:nvSpPr>
-          <p:cNvPr id="3" name="Content Placeholder 2"/>
-          <p:cNvSpPr>
-            <a:spLocks noGrp="1"/>
-          </p:cNvSpPr>
-          <p:nvPr>
-            <p:ph idx="1"/>
-          </p:nvPr>
-        </p:nvSpPr>
-        <p:spPr>
-          <a:xfrm>
-            <a:off x="609600" y="1600203"/>
-            <a:ext cx="10972800" cy="5257797"/>
-          </a:xfrm>
-        </p:spPr>
-        <p:txBody>
-          <a:bodyPr>
-            <a:normAutofit/>
-          </a:bodyPr>
-          <a:lstStyle/>
-          <a:p>
             <a:pPr marL="0" indent="0" algn="ctr">
               <a:buNone/>
             </a:pPr>
             <a:r>
-              <a:rPr lang="zh-CN" altLang="zh-TW" sz="5400" b="1" dirty="0">
-                <a:solidFill>
-                  <a:srgbClr val="002060"/>
-                </a:solidFill>
-                <a:latin typeface="Microsoft JhengHei" panose="020B0604030504040204" pitchFamily="34" charset="-120"/>
-                <a:ea typeface="Microsoft JhengHei" panose="020B0604030504040204" pitchFamily="34" charset="-120"/>
-              </a:rPr>
-              <a:t>求主開通永生泉</a:t>
-            </a:r>
-            <a:r>
-              <a:rPr lang="zh-CN" altLang="zh-TW" sz="5400" b="1" dirty="0">
-                <a:solidFill>
-                  <a:srgbClr val="002060"/>
-                </a:solidFill>
-                <a:latin typeface="Microsoft JhengHei" panose="020B0604030504040204" pitchFamily="34" charset="-120"/>
-                <a:ea typeface="Microsoft JhengHei" panose="020B0604030504040204" pitchFamily="34" charset="-120"/>
-              </a:rPr>
-              <a:t>源</a:t>
-            </a:r>
-            <a:r>
-              <a:rPr lang="en-US" altLang="zh-CN" sz="5400" b="1" dirty="0">
-                <a:solidFill>
-                  <a:srgbClr val="002060"/>
-                </a:solidFill>
-                <a:latin typeface="Microsoft JhengHei" panose="020B0604030504040204" pitchFamily="34" charset="-120"/>
-                <a:ea typeface="Microsoft JhengHei" panose="020B0604030504040204" pitchFamily="34" charset="-120"/>
-              </a:rPr>
-              <a:t>  </a:t>
-            </a:r>
-            <a:r>
-              <a:rPr lang="zh-CN" altLang="zh-TW" sz="5400" b="1" dirty="0">
-                <a:solidFill>
-                  <a:srgbClr val="002060"/>
-                </a:solidFill>
-                <a:latin typeface="Microsoft JhengHei" panose="020B0604030504040204" pitchFamily="34" charset="-120"/>
-                <a:ea typeface="Microsoft JhengHei" panose="020B0604030504040204" pitchFamily="34" charset="-120"/>
-              </a:rPr>
-              <a:t>使</a:t>
-            </a:r>
-            <a:r>
-              <a:rPr lang="zh-CN" altLang="zh-TW" sz="5400" b="1" dirty="0">
-                <a:solidFill>
-                  <a:srgbClr val="002060"/>
-                </a:solidFill>
-                <a:latin typeface="Microsoft JhengHei" panose="020B0604030504040204" pitchFamily="34" charset="-120"/>
-                <a:ea typeface="Microsoft JhengHei" panose="020B0604030504040204" pitchFamily="34" charset="-120"/>
-              </a:rPr>
-              <a:t>我路中不乾渴</a:t>
-            </a:r>
+              <a:rPr lang="zh-CN" altLang="zh-TW" sz="6400" b="1" cap="all" dirty="0">
+                <a:solidFill>
+                  <a:srgbClr val="000066"/>
+                </a:solidFill>
+                <a:latin typeface="微軟正黑體" pitchFamily="34" charset="-120"/>
+                <a:ea typeface="微軟正黑體" pitchFamily="34" charset="-120"/>
+              </a:rPr>
+              <a:t>主</a:t>
+            </a:r>
+            <a:r>
+              <a:rPr lang="zh-CN" altLang="zh-TW" sz="6400" b="1" cap="all" dirty="0">
+                <a:solidFill>
+                  <a:srgbClr val="000066"/>
+                </a:solidFill>
+                <a:latin typeface="微軟正黑體" pitchFamily="34" charset="-120"/>
+                <a:ea typeface="微軟正黑體" pitchFamily="34" charset="-120"/>
+              </a:rPr>
+              <a:t>耶和華求你領</a:t>
+            </a:r>
+            <a:r>
+              <a:rPr lang="zh-CN" altLang="zh-TW" sz="6400" b="1" cap="all" dirty="0">
+                <a:solidFill>
+                  <a:srgbClr val="000066"/>
+                </a:solidFill>
+                <a:latin typeface="微軟正黑體" pitchFamily="34" charset="-120"/>
+                <a:ea typeface="微軟正黑體" pitchFamily="34" charset="-120"/>
+              </a:rPr>
+              <a:t>我</a:t>
+            </a:r>
+            <a:endParaRPr lang="en-US" altLang="zh-CN" sz="6400" b="1" cap="all" dirty="0">
+              <a:solidFill>
+                <a:srgbClr val="000066"/>
+              </a:solidFill>
+              <a:latin typeface="微軟正黑體" pitchFamily="34" charset="-120"/>
+              <a:ea typeface="微軟正黑體" pitchFamily="34" charset="-120"/>
+            </a:endParaRPr>
           </a:p>
           <a:p>
             <a:pPr marL="0" indent="0" algn="ctr">
               <a:buNone/>
             </a:pPr>
             <a:r>
-              <a:rPr lang="zh-CN" altLang="zh-TW" sz="5400" b="1" dirty="0">
-                <a:solidFill>
-                  <a:srgbClr val="002060"/>
-                </a:solidFill>
-                <a:latin typeface="Microsoft JhengHei" panose="020B0604030504040204" pitchFamily="34" charset="-120"/>
-                <a:ea typeface="Microsoft JhengHei" panose="020B0604030504040204" pitchFamily="34" charset="-120"/>
-              </a:rPr>
-              <a:t>求主做我雲柱火</a:t>
-            </a:r>
-            <a:r>
-              <a:rPr lang="zh-CN" altLang="zh-TW" sz="5400" b="1" dirty="0">
-                <a:solidFill>
-                  <a:srgbClr val="002060"/>
-                </a:solidFill>
-                <a:latin typeface="Microsoft JhengHei" panose="020B0604030504040204" pitchFamily="34" charset="-120"/>
-                <a:ea typeface="Microsoft JhengHei" panose="020B0604030504040204" pitchFamily="34" charset="-120"/>
-              </a:rPr>
-              <a:t>柱</a:t>
-            </a:r>
-            <a:r>
-              <a:rPr lang="en-US" altLang="zh-CN" sz="5400" b="1" dirty="0">
-                <a:solidFill>
-                  <a:srgbClr val="002060"/>
-                </a:solidFill>
-                <a:latin typeface="Microsoft JhengHei" panose="020B0604030504040204" pitchFamily="34" charset="-120"/>
-                <a:ea typeface="Microsoft JhengHei" panose="020B0604030504040204" pitchFamily="34" charset="-120"/>
-              </a:rPr>
-              <a:t>  </a:t>
-            </a:r>
-            <a:r>
-              <a:rPr lang="zh-CN" altLang="zh-TW" sz="5400" b="1" dirty="0">
-                <a:solidFill>
-                  <a:srgbClr val="002060"/>
-                </a:solidFill>
-                <a:latin typeface="Microsoft JhengHei" panose="020B0604030504040204" pitchFamily="34" charset="-120"/>
-                <a:ea typeface="Microsoft JhengHei" panose="020B0604030504040204" pitchFamily="34" charset="-120"/>
-              </a:rPr>
-              <a:t>引</a:t>
-            </a:r>
-            <a:r>
-              <a:rPr lang="zh-CN" altLang="zh-TW" sz="5400" b="1" dirty="0">
-                <a:solidFill>
-                  <a:srgbClr val="002060"/>
-                </a:solidFill>
-                <a:latin typeface="Microsoft JhengHei" panose="020B0604030504040204" pitchFamily="34" charset="-120"/>
-                <a:ea typeface="Microsoft JhengHei" panose="020B0604030504040204" pitchFamily="34" charset="-120"/>
-              </a:rPr>
-              <a:t>我前路不走</a:t>
-            </a:r>
-            <a:r>
-              <a:rPr lang="zh-CN" altLang="zh-TW" sz="5400" b="1" dirty="0">
-                <a:solidFill>
-                  <a:srgbClr val="002060"/>
-                </a:solidFill>
-                <a:latin typeface="Microsoft JhengHei" panose="020B0604030504040204" pitchFamily="34" charset="-120"/>
-                <a:ea typeface="Microsoft JhengHei" panose="020B0604030504040204" pitchFamily="34" charset="-120"/>
-              </a:rPr>
-              <a:t>錯</a:t>
-            </a:r>
-            <a:endParaRPr lang="en-US" altLang="zh-CN" sz="5400" b="1" dirty="0">
-              <a:solidFill>
-                <a:srgbClr val="002060"/>
-              </a:solidFill>
-              <a:latin typeface="Microsoft JhengHei" panose="020B0604030504040204" pitchFamily="34" charset="-120"/>
-              <a:ea typeface="Microsoft JhengHei" panose="020B0604030504040204" pitchFamily="34" charset="-120"/>
-            </a:endParaRPr>
-          </a:p>
-          <a:p>
-            <a:pPr marL="0" indent="0" algn="ctr">
-              <a:buNone/>
-            </a:pPr>
-            <a:r>
-              <a:rPr lang="zh-CN" altLang="zh-TW" sz="5400" b="1" dirty="0">
-                <a:solidFill>
-                  <a:srgbClr val="002060"/>
-                </a:solidFill>
-                <a:latin typeface="Microsoft JhengHei" panose="020B0604030504040204" pitchFamily="34" charset="-120"/>
-                <a:ea typeface="Microsoft JhengHei" panose="020B0604030504040204" pitchFamily="34" charset="-120"/>
-              </a:rPr>
-              <a:t>全能救</a:t>
-            </a:r>
-            <a:r>
-              <a:rPr lang="zh-CN" altLang="zh-TW" sz="5400" b="1" dirty="0">
-                <a:solidFill>
-                  <a:srgbClr val="002060"/>
-                </a:solidFill>
-                <a:latin typeface="Microsoft JhengHei" panose="020B0604030504040204" pitchFamily="34" charset="-120"/>
-                <a:ea typeface="Microsoft JhengHei" panose="020B0604030504040204" pitchFamily="34" charset="-120"/>
-              </a:rPr>
-              <a:t>主</a:t>
-            </a:r>
-            <a:r>
-              <a:rPr lang="en-US" altLang="zh-CN" sz="5400" b="1" dirty="0">
-                <a:solidFill>
-                  <a:srgbClr val="002060"/>
-                </a:solidFill>
-                <a:latin typeface="Microsoft JhengHei" panose="020B0604030504040204" pitchFamily="34" charset="-120"/>
-                <a:ea typeface="Microsoft JhengHei" panose="020B0604030504040204" pitchFamily="34" charset="-120"/>
-              </a:rPr>
-              <a:t>  </a:t>
-            </a:r>
-            <a:r>
-              <a:rPr lang="zh-CN" altLang="zh-TW" sz="5400" b="1" dirty="0">
-                <a:solidFill>
-                  <a:srgbClr val="002060"/>
-                </a:solidFill>
-                <a:latin typeface="Microsoft JhengHei" panose="020B0604030504040204" pitchFamily="34" charset="-120"/>
-                <a:ea typeface="Microsoft JhengHei" panose="020B0604030504040204" pitchFamily="34" charset="-120"/>
-              </a:rPr>
-              <a:t>做</a:t>
-            </a:r>
-            <a:r>
-              <a:rPr lang="zh-CN" altLang="zh-TW" sz="5400" b="1" dirty="0">
-                <a:solidFill>
-                  <a:srgbClr val="002060"/>
-                </a:solidFill>
-                <a:latin typeface="Microsoft JhengHei" panose="020B0604030504040204" pitchFamily="34" charset="-120"/>
-                <a:ea typeface="Microsoft JhengHei" panose="020B0604030504040204" pitchFamily="34" charset="-120"/>
-              </a:rPr>
-              <a:t>我籐牌保護我</a:t>
-            </a:r>
-          </a:p>
-          <a:p>
-            <a:pPr marL="0" indent="0" algn="ctr">
-              <a:buNone/>
-            </a:pPr>
-            <a:r>
-              <a:rPr lang="zh-CN" altLang="zh-TW" sz="5400" b="1" dirty="0">
-                <a:solidFill>
-                  <a:srgbClr val="002060"/>
-                </a:solidFill>
-                <a:latin typeface="Microsoft JhengHei" panose="020B0604030504040204" pitchFamily="34" charset="-120"/>
-                <a:ea typeface="Microsoft JhengHei" panose="020B0604030504040204" pitchFamily="34" charset="-120"/>
-              </a:rPr>
-              <a:t>全能救</a:t>
-            </a:r>
-            <a:r>
-              <a:rPr lang="zh-CN" altLang="zh-TW" sz="5400" b="1" dirty="0">
-                <a:solidFill>
-                  <a:srgbClr val="002060"/>
-                </a:solidFill>
-                <a:latin typeface="Microsoft JhengHei" panose="020B0604030504040204" pitchFamily="34" charset="-120"/>
-                <a:ea typeface="Microsoft JhengHei" panose="020B0604030504040204" pitchFamily="34" charset="-120"/>
-              </a:rPr>
-              <a:t>主</a:t>
-            </a:r>
-            <a:r>
-              <a:rPr lang="en-US" altLang="zh-CN" sz="5400" b="1" dirty="0">
-                <a:solidFill>
-                  <a:srgbClr val="002060"/>
-                </a:solidFill>
-                <a:latin typeface="Microsoft JhengHei" panose="020B0604030504040204" pitchFamily="34" charset="-120"/>
-                <a:ea typeface="Microsoft JhengHei" panose="020B0604030504040204" pitchFamily="34" charset="-120"/>
-              </a:rPr>
-              <a:t>  </a:t>
-            </a:r>
-            <a:r>
-              <a:rPr lang="zh-CN" altLang="zh-TW" sz="5400" b="1" dirty="0">
-                <a:solidFill>
-                  <a:srgbClr val="002060"/>
-                </a:solidFill>
-                <a:latin typeface="Microsoft JhengHei" panose="020B0604030504040204" pitchFamily="34" charset="-120"/>
-                <a:ea typeface="Microsoft JhengHei" panose="020B0604030504040204" pitchFamily="34" charset="-120"/>
-                <a:sym typeface="+mn-ea"/>
-              </a:rPr>
-              <a:t>做</a:t>
-            </a:r>
-            <a:r>
-              <a:rPr lang="zh-CN" altLang="zh-TW" sz="5400" b="1" dirty="0">
-                <a:solidFill>
-                  <a:srgbClr val="002060"/>
-                </a:solidFill>
-                <a:latin typeface="Microsoft JhengHei" panose="020B0604030504040204" pitchFamily="34" charset="-120"/>
-                <a:ea typeface="Microsoft JhengHei" panose="020B0604030504040204" pitchFamily="34" charset="-120"/>
-                <a:sym typeface="+mn-ea"/>
-              </a:rPr>
-              <a:t>我籐牌保護</a:t>
-            </a:r>
-            <a:r>
-              <a:rPr lang="zh-CN" altLang="zh-TW" sz="5400" b="1" dirty="0">
-                <a:solidFill>
-                  <a:srgbClr val="002060"/>
-                </a:solidFill>
-                <a:latin typeface="Microsoft JhengHei" panose="020B0604030504040204" pitchFamily="34" charset="-120"/>
-                <a:ea typeface="Microsoft JhengHei" panose="020B0604030504040204" pitchFamily="34" charset="-120"/>
-                <a:sym typeface="+mn-ea"/>
-              </a:rPr>
-              <a:t>我</a:t>
-            </a:r>
-            <a:endParaRPr lang="zh-CN" altLang="zh-TW" sz="5400" b="1" dirty="0">
-              <a:solidFill>
-                <a:srgbClr val="002060"/>
-              </a:solidFill>
-              <a:latin typeface="Microsoft JhengHei" panose="020B0604030504040204" pitchFamily="34" charset="-120"/>
-              <a:ea typeface="Microsoft JhengHei" panose="020B0604030504040204" pitchFamily="34" charset="-120"/>
-            </a:endParaRPr>
+              <a:rPr lang="zh-CN" altLang="zh-TW" sz="6400" b="1" cap="all" dirty="0">
+                <a:solidFill>
+                  <a:srgbClr val="000066"/>
+                </a:solidFill>
+                <a:latin typeface="微軟正黑體" pitchFamily="34" charset="-120"/>
+                <a:ea typeface="微軟正黑體" pitchFamily="34" charset="-120"/>
+              </a:rPr>
+              <a:t>走</a:t>
+            </a:r>
+            <a:r>
+              <a:rPr lang="zh-CN" altLang="zh-TW" sz="6400" b="1" cap="all" dirty="0">
+                <a:solidFill>
+                  <a:srgbClr val="000066"/>
+                </a:solidFill>
+                <a:latin typeface="微軟正黑體" pitchFamily="34" charset="-120"/>
+                <a:ea typeface="微軟正黑體" pitchFamily="34" charset="-120"/>
+              </a:rPr>
+              <a:t>過今世曠野路</a:t>
+            </a:r>
           </a:p>
         </p:txBody>
       </p:sp>
@@ -4456,8 +4173,8 @@
         </p:nvSpPr>
         <p:spPr>
           <a:xfrm>
-            <a:off x="0" y="1700808"/>
-            <a:ext cx="936104" cy="830997"/>
+            <a:off x="0" y="5061181"/>
+            <a:ext cx="12192000" cy="666786"/>
           </a:xfrm>
           <a:prstGeom prst="rect">
             <a:avLst/>
@@ -4470,25 +4187,34 @@
           </a:bodyPr>
           <a:lstStyle/>
           <a:p>
-            <a:r>
-              <a:rPr lang="en-US" sz="4800" b="1" dirty="0">
-                <a:solidFill>
-                  <a:srgbClr val="002060"/>
-                </a:solidFill>
-              </a:rPr>
-              <a:t>2</a:t>
-            </a:r>
-            <a:r>
-              <a:rPr lang="en-US" sz="4800" b="1" dirty="0" smtClean="0">
-                <a:solidFill>
-                  <a:srgbClr val="002060"/>
-                </a:solidFill>
-              </a:rPr>
-              <a:t>.</a:t>
-            </a:r>
-            <a:endParaRPr lang="vi-VN" sz="4800" b="1" dirty="0">
+            <a:pPr algn="ctr"/>
+            <a:r>
+              <a:rPr lang="en-US" sz="3733" b="1" dirty="0">
+                <a:solidFill>
+                  <a:srgbClr val="000066"/>
+                </a:solidFill>
+              </a:rPr>
+              <a:t>( </a:t>
+            </a:r>
+            <a:r>
+              <a:rPr lang="en-US" sz="3733" b="1" dirty="0">
+                <a:solidFill>
+                  <a:srgbClr val="000066"/>
+                </a:solidFill>
+              </a:rPr>
+              <a:t>1 / 3 </a:t>
+            </a:r>
+            <a:r>
+              <a:rPr lang="en-US" sz="3733" b="1" dirty="0">
+                <a:solidFill>
+                  <a:srgbClr val="000066"/>
+                </a:solidFill>
+              </a:rPr>
+              <a:t>)</a:t>
+            </a:r>
+            <a:endParaRPr lang="vi-VN" sz="3733" b="1" dirty="0">
               <a:solidFill>
-                <a:srgbClr val="002060"/>
+                <a:srgbClr val="000066"/>
               </a:solidFill>
             </a:endParaRPr>
           </a:p>
@@ -4497,7 +4223,7 @@
     </p:spTree>
     <p:extLst>
       <p:ext uri="{BB962C8B-B14F-4D97-AF65-F5344CB8AC3E}">
-        <p14:creationId xmlns:p14="http://schemas.microsoft.com/office/powerpoint/2010/main" val="3637986795"/>
+        <p14:creationId xmlns:p14="http://schemas.microsoft.com/office/powerpoint/2010/main" val="2442093636"/>
       </p:ext>
     </p:extLst>
   </p:cSld>
@@ -4526,336 +4252,87 @@
       </p:grpSpPr>
       <p:sp>
         <p:nvSpPr>
-          <p:cNvPr id="2" name="Title 1"/>
-          <p:cNvSpPr>
-            <a:spLocks noGrp="1"/>
-          </p:cNvSpPr>
-          <p:nvPr>
-            <p:ph type="title"/>
-          </p:nvPr>
-        </p:nvSpPr>
-        <p:spPr/>
-        <p:txBody>
-          <a:bodyPr>
+          <p:cNvPr id="5" name="內容版面配置區 4"/>
+          <p:cNvSpPr>
+            <a:spLocks noGrp="1"/>
+          </p:cNvSpPr>
+          <p:nvPr>
+            <p:ph idx="1"/>
+          </p:nvPr>
+        </p:nvSpPr>
+        <p:spPr>
+          <a:xfrm>
+            <a:off x="0" y="2084851"/>
+            <a:ext cx="12192000" cy="2404863"/>
+          </a:xfrm>
+        </p:spPr>
+        <p:txBody>
+          <a:bodyPr anchor="ctr">
             <a:normAutofit/>
           </a:bodyPr>
           <a:lstStyle/>
           <a:p>
-            <a:r>
-              <a:rPr lang="en-US" altLang="zh-TW" sz="4800" b="1" dirty="0">
-                <a:solidFill>
-                  <a:srgbClr val="002060"/>
-                </a:solidFill>
-                <a:latin typeface="Microsoft JhengHei" panose="020B0604030504040204" pitchFamily="34" charset="-120"/>
-                <a:ea typeface="Microsoft JhengHei" panose="020B0604030504040204" pitchFamily="34" charset="-120"/>
-                <a:cs typeface="+mn-cs"/>
-              </a:rPr>
-              <a:t>【</a:t>
-            </a:r>
-            <a:r>
-              <a:rPr lang="zh-TW" altLang="en-US" sz="4800" b="1" dirty="0">
-                <a:solidFill>
-                  <a:srgbClr val="002060"/>
-                </a:solidFill>
-                <a:latin typeface="Microsoft JhengHei" panose="020B0604030504040204" pitchFamily="34" charset="-120"/>
-                <a:ea typeface="Microsoft JhengHei" panose="020B0604030504040204" pitchFamily="34" charset="-120"/>
-                <a:cs typeface="+mn-cs"/>
-              </a:rPr>
-              <a:t>求主耶和華領我</a:t>
-            </a:r>
-            <a:r>
-              <a:rPr lang="en-US" altLang="zh-TW" sz="4800" b="1" dirty="0">
-                <a:solidFill>
-                  <a:srgbClr val="002060"/>
-                </a:solidFill>
-                <a:latin typeface="Microsoft JhengHei" panose="020B0604030504040204" pitchFamily="34" charset="-120"/>
-                <a:ea typeface="Microsoft JhengHei" panose="020B0604030504040204" pitchFamily="34" charset="-120"/>
-                <a:cs typeface="+mn-cs"/>
-              </a:rPr>
-              <a:t>】</a:t>
-            </a:r>
-          </a:p>
-        </p:txBody>
-      </p:sp>
-      <p:sp>
-        <p:nvSpPr>
-          <p:cNvPr id="3" name="Content Placeholder 2"/>
-          <p:cNvSpPr>
-            <a:spLocks noGrp="1"/>
-          </p:cNvSpPr>
-          <p:nvPr>
-            <p:ph idx="1"/>
-          </p:nvPr>
-        </p:nvSpPr>
-        <p:spPr>
-          <a:xfrm>
-            <a:off x="609600" y="1600203"/>
-            <a:ext cx="10972800" cy="5257797"/>
-          </a:xfrm>
-        </p:spPr>
-        <p:txBody>
-          <a:bodyPr>
-            <a:normAutofit/>
-          </a:bodyPr>
-          <a:lstStyle/>
-          <a:p>
             <a:pPr marL="0" indent="0" algn="ctr">
               <a:buNone/>
             </a:pPr>
             <a:r>
-              <a:rPr lang="zh-CN" altLang="zh-TW" sz="5400" b="1" dirty="0">
-                <a:solidFill>
-                  <a:srgbClr val="002060"/>
-                </a:solidFill>
-                <a:latin typeface="Microsoft JhengHei" panose="020B0604030504040204" pitchFamily="34" charset="-120"/>
-                <a:ea typeface="Microsoft JhengHei" panose="020B0604030504040204" pitchFamily="34" charset="-120"/>
-              </a:rPr>
-              <a:t>至終臨到約但河</a:t>
-            </a:r>
-            <a:r>
-              <a:rPr lang="zh-CN" altLang="zh-TW" sz="5400" b="1" dirty="0">
-                <a:solidFill>
-                  <a:srgbClr val="002060"/>
-                </a:solidFill>
-                <a:latin typeface="Microsoft JhengHei" panose="020B0604030504040204" pitchFamily="34" charset="-120"/>
-                <a:ea typeface="Microsoft JhengHei" panose="020B0604030504040204" pitchFamily="34" charset="-120"/>
-              </a:rPr>
-              <a:t>畔</a:t>
-            </a:r>
-            <a:r>
-              <a:rPr lang="en-US" altLang="zh-CN" sz="5400" b="1" dirty="0">
-                <a:solidFill>
-                  <a:srgbClr val="002060"/>
-                </a:solidFill>
-                <a:latin typeface="Microsoft JhengHei" panose="020B0604030504040204" pitchFamily="34" charset="-120"/>
-                <a:ea typeface="Microsoft JhengHei" panose="020B0604030504040204" pitchFamily="34" charset="-120"/>
-              </a:rPr>
-              <a:t>  </a:t>
-            </a:r>
-            <a:r>
-              <a:rPr lang="zh-CN" altLang="zh-TW" sz="5400" b="1" dirty="0">
-                <a:solidFill>
-                  <a:srgbClr val="002060"/>
-                </a:solidFill>
-                <a:latin typeface="Microsoft JhengHei" panose="020B0604030504040204" pitchFamily="34" charset="-120"/>
-                <a:ea typeface="Microsoft JhengHei" panose="020B0604030504040204" pitchFamily="34" charset="-120"/>
-              </a:rPr>
-              <a:t>望</a:t>
-            </a:r>
-            <a:r>
-              <a:rPr lang="zh-CN" altLang="zh-TW" sz="5400" b="1" dirty="0">
-                <a:solidFill>
-                  <a:srgbClr val="002060"/>
-                </a:solidFill>
-                <a:latin typeface="Microsoft JhengHei" panose="020B0604030504040204" pitchFamily="34" charset="-120"/>
-                <a:ea typeface="Microsoft JhengHei" panose="020B0604030504040204" pitchFamily="34" charset="-120"/>
-              </a:rPr>
-              <a:t>主使我無恐惶</a:t>
-            </a:r>
+              <a:rPr lang="zh-CN" altLang="zh-TW" sz="6400" b="1" cap="all" dirty="0">
+                <a:solidFill>
+                  <a:srgbClr val="000066"/>
+                </a:solidFill>
+                <a:latin typeface="微軟正黑體" pitchFamily="34" charset="-120"/>
+                <a:ea typeface="微軟正黑體" pitchFamily="34" charset="-120"/>
+              </a:rPr>
+              <a:t>我無力量主有能</a:t>
+            </a:r>
+            <a:r>
+              <a:rPr lang="zh-CN" altLang="zh-TW" sz="6400" b="1" cap="all" dirty="0">
+                <a:solidFill>
+                  <a:srgbClr val="000066"/>
+                </a:solidFill>
+                <a:latin typeface="微軟正黑體" pitchFamily="34" charset="-120"/>
+                <a:ea typeface="微軟正黑體" pitchFamily="34" charset="-120"/>
+              </a:rPr>
+              <a:t>幹</a:t>
+            </a:r>
+            <a:endParaRPr lang="en-US" altLang="zh-CN" sz="6400" b="1" cap="all" dirty="0">
+              <a:solidFill>
+                <a:srgbClr val="000066"/>
+              </a:solidFill>
+              <a:latin typeface="微軟正黑體" pitchFamily="34" charset="-120"/>
+              <a:ea typeface="微軟正黑體" pitchFamily="34" charset="-120"/>
+            </a:endParaRPr>
           </a:p>
           <a:p>
             <a:pPr marL="0" indent="0" algn="ctr">
               <a:buNone/>
             </a:pPr>
             <a:r>
-              <a:rPr lang="zh-CN" altLang="zh-TW" sz="5400" b="1" dirty="0">
-                <a:solidFill>
-                  <a:srgbClr val="002060"/>
-                </a:solidFill>
-                <a:latin typeface="Microsoft JhengHei" panose="020B0604030504040204" pitchFamily="34" charset="-120"/>
-                <a:ea typeface="Microsoft JhengHei" panose="020B0604030504040204" pitchFamily="34" charset="-120"/>
-              </a:rPr>
-              <a:t>主曾攻獄以死勝</a:t>
-            </a:r>
-            <a:r>
-              <a:rPr lang="zh-CN" altLang="zh-TW" sz="5400" b="1" dirty="0">
-                <a:solidFill>
-                  <a:srgbClr val="002060"/>
-                </a:solidFill>
-                <a:latin typeface="Microsoft JhengHei" panose="020B0604030504040204" pitchFamily="34" charset="-120"/>
-                <a:ea typeface="Microsoft JhengHei" panose="020B0604030504040204" pitchFamily="34" charset="-120"/>
-              </a:rPr>
-              <a:t>死</a:t>
-            </a:r>
-            <a:r>
-              <a:rPr lang="en-US" altLang="zh-CN" sz="5400" b="1" dirty="0">
-                <a:solidFill>
-                  <a:srgbClr val="002060"/>
-                </a:solidFill>
-                <a:latin typeface="Microsoft JhengHei" panose="020B0604030504040204" pitchFamily="34" charset="-120"/>
-                <a:ea typeface="Microsoft JhengHei" panose="020B0604030504040204" pitchFamily="34" charset="-120"/>
-              </a:rPr>
-              <a:t>  </a:t>
-            </a:r>
-            <a:r>
-              <a:rPr lang="zh-CN" altLang="zh-TW" sz="5400" b="1" dirty="0">
-                <a:solidFill>
-                  <a:srgbClr val="002060"/>
-                </a:solidFill>
-                <a:latin typeface="Microsoft JhengHei" panose="020B0604030504040204" pitchFamily="34" charset="-120"/>
-                <a:ea typeface="Microsoft JhengHei" panose="020B0604030504040204" pitchFamily="34" charset="-120"/>
-              </a:rPr>
-              <a:t>救</a:t>
-            </a:r>
-            <a:r>
-              <a:rPr lang="zh-CN" altLang="zh-TW" sz="5400" b="1" dirty="0">
-                <a:solidFill>
-                  <a:srgbClr val="002060"/>
-                </a:solidFill>
-                <a:latin typeface="Microsoft JhengHei" panose="020B0604030504040204" pitchFamily="34" charset="-120"/>
-                <a:ea typeface="Microsoft JhengHei" panose="020B0604030504040204" pitchFamily="34" charset="-120"/>
-              </a:rPr>
-              <a:t>我安穩到天</a:t>
-            </a:r>
-            <a:r>
-              <a:rPr lang="zh-CN" altLang="zh-TW" sz="5400" b="1" dirty="0">
-                <a:solidFill>
-                  <a:srgbClr val="002060"/>
-                </a:solidFill>
-                <a:latin typeface="Microsoft JhengHei" panose="020B0604030504040204" pitchFamily="34" charset="-120"/>
-                <a:ea typeface="Microsoft JhengHei" panose="020B0604030504040204" pitchFamily="34" charset="-120"/>
-              </a:rPr>
-              <a:t>鄉</a:t>
-            </a:r>
-            <a:endParaRPr lang="en-US" altLang="zh-CN" sz="5400" b="1" dirty="0">
+              <a:rPr lang="zh-CN" altLang="zh-TW" sz="6400" b="1" cap="all" dirty="0">
+                <a:solidFill>
+                  <a:srgbClr val="000066"/>
+                </a:solidFill>
+                <a:latin typeface="微軟正黑體" pitchFamily="34" charset="-120"/>
+                <a:ea typeface="微軟正黑體" pitchFamily="34" charset="-120"/>
+              </a:rPr>
+              <a:t>願</a:t>
+            </a:r>
+            <a:r>
+              <a:rPr lang="zh-CN" altLang="zh-TW" sz="6400" b="1" cap="all" dirty="0">
+                <a:solidFill>
+                  <a:srgbClr val="000066"/>
+                </a:solidFill>
+                <a:latin typeface="微軟正黑體" pitchFamily="34" charset="-120"/>
+                <a:ea typeface="微軟正黑體" pitchFamily="34" charset="-120"/>
+              </a:rPr>
+              <a:t>主聖手常保護</a:t>
+            </a:r>
+            <a:endParaRPr lang="en-US" altLang="zh-CN" sz="6400" b="1" cap="all" dirty="0">
               <a:solidFill>
-                <a:srgbClr val="002060"/>
+                <a:srgbClr val="000066"/>
               </a:solidFill>
-              <a:latin typeface="Microsoft JhengHei" panose="020B0604030504040204" pitchFamily="34" charset="-120"/>
-              <a:ea typeface="Microsoft JhengHei" panose="020B0604030504040204" pitchFamily="34" charset="-120"/>
-            </a:endParaRPr>
-          </a:p>
-          <a:p>
-            <a:pPr marL="0" indent="0" algn="ctr">
-              <a:buNone/>
-            </a:pPr>
-            <a:r>
-              <a:rPr lang="zh-CN" altLang="zh-TW" sz="5400" b="1" dirty="0">
-                <a:solidFill>
-                  <a:srgbClr val="002060"/>
-                </a:solidFill>
-                <a:latin typeface="Microsoft JhengHei" panose="020B0604030504040204" pitchFamily="34" charset="-120"/>
-                <a:ea typeface="Microsoft JhengHei" panose="020B0604030504040204" pitchFamily="34" charset="-120"/>
-              </a:rPr>
-              <a:t>謳歌頌</a:t>
-            </a:r>
-            <a:r>
-              <a:rPr lang="zh-CN" altLang="zh-TW" sz="5400" b="1" dirty="0">
-                <a:solidFill>
-                  <a:srgbClr val="002060"/>
-                </a:solidFill>
-                <a:latin typeface="Microsoft JhengHei" panose="020B0604030504040204" pitchFamily="34" charset="-120"/>
-                <a:ea typeface="Microsoft JhengHei" panose="020B0604030504040204" pitchFamily="34" charset="-120"/>
-              </a:rPr>
-              <a:t>讚</a:t>
-            </a:r>
-            <a:r>
-              <a:rPr lang="en-US" altLang="zh-CN" sz="5400" b="1" dirty="0">
-                <a:solidFill>
-                  <a:srgbClr val="002060"/>
-                </a:solidFill>
-                <a:latin typeface="Microsoft JhengHei" panose="020B0604030504040204" pitchFamily="34" charset="-120"/>
-                <a:ea typeface="Microsoft JhengHei" panose="020B0604030504040204" pitchFamily="34" charset="-120"/>
-              </a:rPr>
-              <a:t>  </a:t>
-            </a:r>
-            <a:r>
-              <a:rPr lang="zh-CN" altLang="zh-TW" sz="5400" b="1" dirty="0">
-                <a:solidFill>
-                  <a:srgbClr val="002060"/>
-                </a:solidFill>
-                <a:latin typeface="Microsoft JhengHei" panose="020B0604030504040204" pitchFamily="34" charset="-120"/>
-                <a:ea typeface="Microsoft JhengHei" panose="020B0604030504040204" pitchFamily="34" charset="-120"/>
-              </a:rPr>
-              <a:t>我</a:t>
-            </a:r>
-            <a:r>
-              <a:rPr lang="zh-CN" altLang="zh-TW" sz="5400" b="1" dirty="0">
-                <a:solidFill>
-                  <a:srgbClr val="002060"/>
-                </a:solidFill>
-                <a:latin typeface="Microsoft JhengHei" panose="020B0604030504040204" pitchFamily="34" charset="-120"/>
-                <a:ea typeface="Microsoft JhengHei" panose="020B0604030504040204" pitchFamily="34" charset="-120"/>
-              </a:rPr>
-              <a:t>心奉獻永無疆</a:t>
-            </a:r>
-          </a:p>
-          <a:p>
-            <a:pPr marL="0" indent="0" algn="ctr">
-              <a:buNone/>
-            </a:pPr>
-            <a:r>
-              <a:rPr lang="zh-CN" altLang="zh-TW" sz="5400" b="1" dirty="0">
-                <a:solidFill>
-                  <a:srgbClr val="002060"/>
-                </a:solidFill>
-                <a:latin typeface="Microsoft JhengHei" panose="020B0604030504040204" pitchFamily="34" charset="-120"/>
-                <a:ea typeface="Microsoft JhengHei" panose="020B0604030504040204" pitchFamily="34" charset="-120"/>
-                <a:sym typeface="+mn-ea"/>
-              </a:rPr>
-              <a:t>謳歌頌</a:t>
-            </a:r>
-            <a:r>
-              <a:rPr lang="zh-CN" altLang="zh-TW" sz="5400" b="1" dirty="0">
-                <a:solidFill>
-                  <a:srgbClr val="002060"/>
-                </a:solidFill>
-                <a:latin typeface="Microsoft JhengHei" panose="020B0604030504040204" pitchFamily="34" charset="-120"/>
-                <a:ea typeface="Microsoft JhengHei" panose="020B0604030504040204" pitchFamily="34" charset="-120"/>
-                <a:sym typeface="+mn-ea"/>
-              </a:rPr>
-              <a:t>讚</a:t>
-            </a:r>
-            <a:r>
-              <a:rPr lang="en-US" altLang="zh-CN" sz="5400" b="1" dirty="0">
-                <a:solidFill>
-                  <a:srgbClr val="002060"/>
-                </a:solidFill>
-                <a:latin typeface="Microsoft JhengHei" panose="020B0604030504040204" pitchFamily="34" charset="-120"/>
-                <a:ea typeface="Microsoft JhengHei" panose="020B0604030504040204" pitchFamily="34" charset="-120"/>
-                <a:sym typeface="+mn-ea"/>
-              </a:rPr>
-              <a:t>  </a:t>
-            </a:r>
-            <a:r>
-              <a:rPr lang="zh-CN" altLang="zh-TW" sz="5400" b="1" dirty="0">
-                <a:solidFill>
-                  <a:srgbClr val="002060"/>
-                </a:solidFill>
-                <a:latin typeface="Microsoft JhengHei" panose="020B0604030504040204" pitchFamily="34" charset="-120"/>
-                <a:ea typeface="Microsoft JhengHei" panose="020B0604030504040204" pitchFamily="34" charset="-120"/>
-                <a:sym typeface="+mn-ea"/>
-              </a:rPr>
-              <a:t>我</a:t>
-            </a:r>
-            <a:r>
-              <a:rPr lang="zh-CN" altLang="zh-TW" sz="5400" b="1" dirty="0">
-                <a:solidFill>
-                  <a:srgbClr val="002060"/>
-                </a:solidFill>
-                <a:latin typeface="Microsoft JhengHei" panose="020B0604030504040204" pitchFamily="34" charset="-120"/>
-                <a:ea typeface="Microsoft JhengHei" panose="020B0604030504040204" pitchFamily="34" charset="-120"/>
-                <a:sym typeface="+mn-ea"/>
-              </a:rPr>
-              <a:t>心奉獻永無</a:t>
-            </a:r>
-            <a:r>
-              <a:rPr lang="zh-CN" altLang="zh-TW" sz="5400" b="1" dirty="0">
-                <a:solidFill>
-                  <a:srgbClr val="002060"/>
-                </a:solidFill>
-                <a:latin typeface="Microsoft JhengHei" panose="020B0604030504040204" pitchFamily="34" charset="-120"/>
-                <a:ea typeface="Microsoft JhengHei" panose="020B0604030504040204" pitchFamily="34" charset="-120"/>
-                <a:sym typeface="+mn-ea"/>
-              </a:rPr>
-              <a:t>疆</a:t>
-            </a:r>
-            <a:endParaRPr lang="zh-CN" altLang="zh-TW" sz="5400" b="1" dirty="0">
-              <a:solidFill>
-                <a:srgbClr val="002060"/>
-              </a:solidFill>
-              <a:latin typeface="Microsoft JhengHei" panose="020B0604030504040204" pitchFamily="34" charset="-120"/>
-              <a:ea typeface="Microsoft JhengHei" panose="020B0604030504040204" pitchFamily="34" charset="-120"/>
+              <a:latin typeface="微軟正黑體" pitchFamily="34" charset="-120"/>
+              <a:ea typeface="微軟正黑體" pitchFamily="34" charset="-120"/>
             </a:endParaRPr>
           </a:p>
         </p:txBody>
@@ -4868,8 +4345,8 @@
         </p:nvSpPr>
         <p:spPr>
           <a:xfrm>
-            <a:off x="0" y="1700808"/>
-            <a:ext cx="936104" cy="830997"/>
+            <a:off x="0" y="5061181"/>
+            <a:ext cx="12192000" cy="666786"/>
           </a:xfrm>
           <a:prstGeom prst="rect">
             <a:avLst/>
@@ -4882,25 +4359,34 @@
           </a:bodyPr>
           <a:lstStyle/>
           <a:p>
-            <a:r>
-              <a:rPr lang="en-US" sz="4800" b="1" dirty="0" smtClean="0">
-                <a:solidFill>
-                  <a:srgbClr val="002060"/>
-                </a:solidFill>
-              </a:rPr>
-              <a:t>3</a:t>
-            </a:r>
-            <a:r>
-              <a:rPr lang="en-US" sz="4800" b="1" dirty="0" smtClean="0">
-                <a:solidFill>
-                  <a:srgbClr val="002060"/>
-                </a:solidFill>
-              </a:rPr>
-              <a:t>.</a:t>
-            </a:r>
-            <a:endParaRPr lang="vi-VN" sz="4800" b="1" dirty="0">
+            <a:pPr algn="ctr"/>
+            <a:r>
+              <a:rPr lang="en-US" sz="3733" b="1" dirty="0">
+                <a:solidFill>
+                  <a:srgbClr val="000066"/>
+                </a:solidFill>
+              </a:rPr>
+              <a:t>( </a:t>
+            </a:r>
+            <a:r>
+              <a:rPr lang="en-US" sz="3733" b="1" dirty="0">
+                <a:solidFill>
+                  <a:srgbClr val="000066"/>
+                </a:solidFill>
+              </a:rPr>
+              <a:t>1 / 3 </a:t>
+            </a:r>
+            <a:r>
+              <a:rPr lang="en-US" sz="3733" b="1" dirty="0">
+                <a:solidFill>
+                  <a:srgbClr val="000066"/>
+                </a:solidFill>
+              </a:rPr>
+              <a:t>)</a:t>
+            </a:r>
+            <a:endParaRPr lang="vi-VN" sz="3733" b="1" dirty="0">
               <a:solidFill>
-                <a:srgbClr val="002060"/>
+                <a:srgbClr val="000066"/>
               </a:solidFill>
             </a:endParaRPr>
           </a:p>
@@ -4909,7 +4395,1045 @@
     </p:spTree>
     <p:extLst>
       <p:ext uri="{BB962C8B-B14F-4D97-AF65-F5344CB8AC3E}">
-        <p14:creationId xmlns:p14="http://schemas.microsoft.com/office/powerpoint/2010/main" val="3715378317"/>
+        <p14:creationId xmlns:p14="http://schemas.microsoft.com/office/powerpoint/2010/main" val="2405678528"/>
+      </p:ext>
+    </p:extLst>
+  </p:cSld>
+  <p:clrMapOvr>
+    <a:masterClrMapping/>
+  </p:clrMapOvr>
+</p:sld>
+</file>
+
+<file path=ppt/slides/slide4.xml><?xml version="1.0" encoding="utf-8"?>
+<p:sld xmlns:a="http://schemas.openxmlformats.org/drawingml/2006/main" xmlns:r="http://schemas.openxmlformats.org/officeDocument/2006/relationships" xmlns:p="http://schemas.openxmlformats.org/presentationml/2006/main">
+  <p:cSld>
+    <p:spTree>
+      <p:nvGrpSpPr>
+        <p:cNvPr id="1" name=""/>
+        <p:cNvGrpSpPr/>
+        <p:nvPr/>
+      </p:nvGrpSpPr>
+      <p:grpSpPr>
+        <a:xfrm>
+          <a:off x="0" y="0"/>
+          <a:ext cx="0" cy="0"/>
+          <a:chOff x="0" y="0"/>
+          <a:chExt cx="0" cy="0"/>
+        </a:xfrm>
+      </p:grpSpPr>
+      <p:sp>
+        <p:nvSpPr>
+          <p:cNvPr id="5" name="內容版面配置區 4"/>
+          <p:cNvSpPr>
+            <a:spLocks noGrp="1"/>
+          </p:cNvSpPr>
+          <p:nvPr>
+            <p:ph idx="1"/>
+          </p:nvPr>
+        </p:nvSpPr>
+        <p:spPr>
+          <a:xfrm>
+            <a:off x="0" y="2084851"/>
+            <a:ext cx="12192000" cy="2404863"/>
+          </a:xfrm>
+        </p:spPr>
+        <p:txBody>
+          <a:bodyPr anchor="ctr">
+            <a:normAutofit/>
+          </a:bodyPr>
+          <a:lstStyle/>
+          <a:p>
+            <a:pPr marL="0" indent="0" algn="ctr">
+              <a:buNone/>
+            </a:pPr>
+            <a:r>
+              <a:rPr lang="zh-CN" altLang="zh-TW" sz="6400" b="1" cap="all" dirty="0">
+                <a:solidFill>
+                  <a:srgbClr val="000066"/>
+                </a:solidFill>
+                <a:latin typeface="微軟正黑體" pitchFamily="34" charset="-120"/>
+                <a:ea typeface="微軟正黑體" pitchFamily="34" charset="-120"/>
+              </a:rPr>
+              <a:t>天上嗎哪</a:t>
+            </a:r>
+            <a:r>
+              <a:rPr lang="en-US" altLang="zh-CN" sz="6400" b="1" cap="all" dirty="0">
+                <a:solidFill>
+                  <a:srgbClr val="000066"/>
+                </a:solidFill>
+                <a:latin typeface="微軟正黑體" pitchFamily="34" charset="-120"/>
+                <a:ea typeface="微軟正黑體" pitchFamily="34" charset="-120"/>
+              </a:rPr>
+              <a:t>  </a:t>
+            </a:r>
+            <a:r>
+              <a:rPr lang="zh-CN" altLang="zh-TW" sz="6400" b="1" cap="all" dirty="0">
+                <a:solidFill>
+                  <a:srgbClr val="000066"/>
+                </a:solidFill>
+                <a:latin typeface="微軟正黑體" pitchFamily="34" charset="-120"/>
+                <a:ea typeface="微軟正黑體" pitchFamily="34" charset="-120"/>
+              </a:rPr>
+              <a:t>求主時常賜給我</a:t>
+            </a:r>
+          </a:p>
+          <a:p>
+            <a:pPr marL="0" indent="0" algn="ctr">
+              <a:buNone/>
+            </a:pPr>
+            <a:r>
+              <a:rPr lang="zh-CN" altLang="zh-TW" sz="6400" b="1" cap="all" dirty="0">
+                <a:solidFill>
+                  <a:srgbClr val="000066"/>
+                </a:solidFill>
+                <a:latin typeface="微軟正黑體" pitchFamily="34" charset="-120"/>
+                <a:ea typeface="微軟正黑體" pitchFamily="34" charset="-120"/>
+              </a:rPr>
+              <a:t>天上嗎哪</a:t>
+            </a:r>
+            <a:r>
+              <a:rPr lang="en-US" altLang="zh-CN" sz="6400" b="1" cap="all" dirty="0">
+                <a:solidFill>
+                  <a:srgbClr val="000066"/>
+                </a:solidFill>
+                <a:latin typeface="微軟正黑體" pitchFamily="34" charset="-120"/>
+                <a:ea typeface="微軟正黑體" pitchFamily="34" charset="-120"/>
+              </a:rPr>
+              <a:t>  </a:t>
+            </a:r>
+            <a:r>
+              <a:rPr lang="zh-CN" altLang="zh-TW" sz="6400" b="1" cap="all" dirty="0">
+                <a:solidFill>
+                  <a:srgbClr val="000066"/>
+                </a:solidFill>
+                <a:latin typeface="微軟正黑體" pitchFamily="34" charset="-120"/>
+                <a:ea typeface="微軟正黑體" pitchFamily="34" charset="-120"/>
+              </a:rPr>
+              <a:t>求主時常賜給我</a:t>
+            </a:r>
+          </a:p>
+        </p:txBody>
+      </p:sp>
+      <p:sp>
+        <p:nvSpPr>
+          <p:cNvPr id="4" name="TextBox 3"/>
+          <p:cNvSpPr txBox="1"/>
+          <p:nvPr/>
+        </p:nvSpPr>
+        <p:spPr>
+          <a:xfrm>
+            <a:off x="0" y="5061181"/>
+            <a:ext cx="12192000" cy="666786"/>
+          </a:xfrm>
+          <a:prstGeom prst="rect">
+            <a:avLst/>
+          </a:prstGeom>
+          <a:noFill/>
+        </p:spPr>
+        <p:txBody>
+          <a:bodyPr wrap="square" rtlCol="0">
+            <a:spAutoFit/>
+          </a:bodyPr>
+          <a:lstStyle/>
+          <a:p>
+            <a:pPr algn="ctr"/>
+            <a:r>
+              <a:rPr lang="en-US" sz="3733" b="1" dirty="0">
+                <a:solidFill>
+                  <a:srgbClr val="000066"/>
+                </a:solidFill>
+              </a:rPr>
+              <a:t>( </a:t>
+            </a:r>
+            <a:r>
+              <a:rPr lang="en-US" sz="3733" b="1" dirty="0">
+                <a:solidFill>
+                  <a:srgbClr val="000066"/>
+                </a:solidFill>
+              </a:rPr>
+              <a:t>1 / 3 </a:t>
+            </a:r>
+            <a:r>
+              <a:rPr lang="en-US" sz="3733" b="1" dirty="0">
+                <a:solidFill>
+                  <a:srgbClr val="000066"/>
+                </a:solidFill>
+              </a:rPr>
+              <a:t>)</a:t>
+            </a:r>
+            <a:endParaRPr lang="vi-VN" sz="3733" b="1" dirty="0">
+              <a:solidFill>
+                <a:srgbClr val="000066"/>
+              </a:solidFill>
+            </a:endParaRPr>
+          </a:p>
+        </p:txBody>
+      </p:sp>
+    </p:spTree>
+    <p:extLst>
+      <p:ext uri="{BB962C8B-B14F-4D97-AF65-F5344CB8AC3E}">
+        <p14:creationId xmlns:p14="http://schemas.microsoft.com/office/powerpoint/2010/main" val="3109317340"/>
+      </p:ext>
+    </p:extLst>
+  </p:cSld>
+  <p:clrMapOvr>
+    <a:masterClrMapping/>
+  </p:clrMapOvr>
+</p:sld>
+</file>
+
+<file path=ppt/slides/slide5.xml><?xml version="1.0" encoding="utf-8"?>
+<p:sld xmlns:a="http://schemas.openxmlformats.org/drawingml/2006/main" xmlns:r="http://schemas.openxmlformats.org/officeDocument/2006/relationships" xmlns:p="http://schemas.openxmlformats.org/presentationml/2006/main">
+  <p:cSld>
+    <p:spTree>
+      <p:nvGrpSpPr>
+        <p:cNvPr id="1" name=""/>
+        <p:cNvGrpSpPr/>
+        <p:nvPr/>
+      </p:nvGrpSpPr>
+      <p:grpSpPr>
+        <a:xfrm>
+          <a:off x="0" y="0"/>
+          <a:ext cx="0" cy="0"/>
+          <a:chOff x="0" y="0"/>
+          <a:chExt cx="0" cy="0"/>
+        </a:xfrm>
+      </p:grpSpPr>
+      <p:sp>
+        <p:nvSpPr>
+          <p:cNvPr id="5" name="內容版面配置區 4"/>
+          <p:cNvSpPr>
+            <a:spLocks noGrp="1"/>
+          </p:cNvSpPr>
+          <p:nvPr>
+            <p:ph idx="1"/>
+          </p:nvPr>
+        </p:nvSpPr>
+        <p:spPr>
+          <a:xfrm>
+            <a:off x="0" y="2084851"/>
+            <a:ext cx="12192000" cy="2404863"/>
+          </a:xfrm>
+        </p:spPr>
+        <p:txBody>
+          <a:bodyPr anchor="ctr">
+            <a:normAutofit/>
+          </a:bodyPr>
+          <a:lstStyle/>
+          <a:p>
+            <a:pPr marL="0" indent="0" algn="ctr">
+              <a:buNone/>
+            </a:pPr>
+            <a:r>
+              <a:rPr lang="zh-CN" altLang="zh-TW" sz="6400" b="1" cap="all" dirty="0">
+                <a:solidFill>
+                  <a:srgbClr val="000066"/>
+                </a:solidFill>
+                <a:latin typeface="微軟正黑體" pitchFamily="34" charset="-120"/>
+                <a:ea typeface="微軟正黑體" pitchFamily="34" charset="-120"/>
+              </a:rPr>
+              <a:t>求主開通永生泉</a:t>
+            </a:r>
+            <a:r>
+              <a:rPr lang="zh-CN" altLang="zh-TW" sz="6400" b="1" cap="all" dirty="0">
+                <a:solidFill>
+                  <a:srgbClr val="000066"/>
+                </a:solidFill>
+                <a:latin typeface="微軟正黑體" pitchFamily="34" charset="-120"/>
+                <a:ea typeface="微軟正黑體" pitchFamily="34" charset="-120"/>
+              </a:rPr>
+              <a:t>源</a:t>
+            </a:r>
+            <a:endParaRPr lang="en-US" altLang="zh-CN" sz="6400" b="1" cap="all" dirty="0">
+              <a:solidFill>
+                <a:srgbClr val="000066"/>
+              </a:solidFill>
+              <a:latin typeface="微軟正黑體" pitchFamily="34" charset="-120"/>
+              <a:ea typeface="微軟正黑體" pitchFamily="34" charset="-120"/>
+            </a:endParaRPr>
+          </a:p>
+          <a:p>
+            <a:pPr marL="0" indent="0" algn="ctr">
+              <a:buNone/>
+            </a:pPr>
+            <a:r>
+              <a:rPr lang="zh-CN" altLang="zh-TW" sz="6400" b="1" cap="all" dirty="0">
+                <a:solidFill>
+                  <a:srgbClr val="000066"/>
+                </a:solidFill>
+                <a:latin typeface="微軟正黑體" pitchFamily="34" charset="-120"/>
+                <a:ea typeface="微軟正黑體" pitchFamily="34" charset="-120"/>
+              </a:rPr>
+              <a:t>使</a:t>
+            </a:r>
+            <a:r>
+              <a:rPr lang="zh-CN" altLang="zh-TW" sz="6400" b="1" cap="all" dirty="0">
+                <a:solidFill>
+                  <a:srgbClr val="000066"/>
+                </a:solidFill>
+                <a:latin typeface="微軟正黑體" pitchFamily="34" charset="-120"/>
+                <a:ea typeface="微軟正黑體" pitchFamily="34" charset="-120"/>
+              </a:rPr>
+              <a:t>我路中不乾渴</a:t>
+            </a:r>
+          </a:p>
+        </p:txBody>
+      </p:sp>
+      <p:sp>
+        <p:nvSpPr>
+          <p:cNvPr id="4" name="TextBox 3"/>
+          <p:cNvSpPr txBox="1"/>
+          <p:nvPr/>
+        </p:nvSpPr>
+        <p:spPr>
+          <a:xfrm>
+            <a:off x="0" y="5061181"/>
+            <a:ext cx="12192000" cy="666786"/>
+          </a:xfrm>
+          <a:prstGeom prst="rect">
+            <a:avLst/>
+          </a:prstGeom>
+          <a:noFill/>
+        </p:spPr>
+        <p:txBody>
+          <a:bodyPr wrap="square" rtlCol="0">
+            <a:spAutoFit/>
+          </a:bodyPr>
+          <a:lstStyle/>
+          <a:p>
+            <a:pPr algn="ctr"/>
+            <a:r>
+              <a:rPr lang="en-US" sz="3733" b="1" dirty="0">
+                <a:solidFill>
+                  <a:srgbClr val="000066"/>
+                </a:solidFill>
+              </a:rPr>
+              <a:t>( </a:t>
+            </a:r>
+            <a:r>
+              <a:rPr lang="en-US" sz="3733" b="1" dirty="0">
+                <a:solidFill>
+                  <a:srgbClr val="000066"/>
+                </a:solidFill>
+              </a:rPr>
+              <a:t>2 / 3 </a:t>
+            </a:r>
+            <a:r>
+              <a:rPr lang="en-US" sz="3733" b="1" dirty="0">
+                <a:solidFill>
+                  <a:srgbClr val="000066"/>
+                </a:solidFill>
+              </a:rPr>
+              <a:t>)</a:t>
+            </a:r>
+            <a:endParaRPr lang="vi-VN" sz="3733" b="1" dirty="0">
+              <a:solidFill>
+                <a:srgbClr val="000066"/>
+              </a:solidFill>
+            </a:endParaRPr>
+          </a:p>
+        </p:txBody>
+      </p:sp>
+    </p:spTree>
+    <p:extLst>
+      <p:ext uri="{BB962C8B-B14F-4D97-AF65-F5344CB8AC3E}">
+        <p14:creationId xmlns:p14="http://schemas.microsoft.com/office/powerpoint/2010/main" val="110987866"/>
+      </p:ext>
+    </p:extLst>
+  </p:cSld>
+  <p:clrMapOvr>
+    <a:masterClrMapping/>
+  </p:clrMapOvr>
+</p:sld>
+</file>
+
+<file path=ppt/slides/slide6.xml><?xml version="1.0" encoding="utf-8"?>
+<p:sld xmlns:a="http://schemas.openxmlformats.org/drawingml/2006/main" xmlns:r="http://schemas.openxmlformats.org/officeDocument/2006/relationships" xmlns:p="http://schemas.openxmlformats.org/presentationml/2006/main">
+  <p:cSld>
+    <p:spTree>
+      <p:nvGrpSpPr>
+        <p:cNvPr id="1" name=""/>
+        <p:cNvGrpSpPr/>
+        <p:nvPr/>
+      </p:nvGrpSpPr>
+      <p:grpSpPr>
+        <a:xfrm>
+          <a:off x="0" y="0"/>
+          <a:ext cx="0" cy="0"/>
+          <a:chOff x="0" y="0"/>
+          <a:chExt cx="0" cy="0"/>
+        </a:xfrm>
+      </p:grpSpPr>
+      <p:sp>
+        <p:nvSpPr>
+          <p:cNvPr id="5" name="內容版面配置區 4"/>
+          <p:cNvSpPr>
+            <a:spLocks noGrp="1"/>
+          </p:cNvSpPr>
+          <p:nvPr>
+            <p:ph idx="1"/>
+          </p:nvPr>
+        </p:nvSpPr>
+        <p:spPr>
+          <a:xfrm>
+            <a:off x="0" y="2084851"/>
+            <a:ext cx="12192000" cy="2404863"/>
+          </a:xfrm>
+        </p:spPr>
+        <p:txBody>
+          <a:bodyPr anchor="ctr">
+            <a:normAutofit/>
+          </a:bodyPr>
+          <a:lstStyle/>
+          <a:p>
+            <a:pPr marL="0" indent="0" algn="ctr">
+              <a:buNone/>
+            </a:pPr>
+            <a:r>
+              <a:rPr lang="zh-CN" altLang="zh-TW" sz="6400" b="1" cap="all" dirty="0">
+                <a:solidFill>
+                  <a:srgbClr val="000066"/>
+                </a:solidFill>
+                <a:latin typeface="微軟正黑體" pitchFamily="34" charset="-120"/>
+                <a:ea typeface="微軟正黑體" pitchFamily="34" charset="-120"/>
+              </a:rPr>
+              <a:t>求主做我雲柱火</a:t>
+            </a:r>
+            <a:r>
+              <a:rPr lang="zh-CN" altLang="zh-TW" sz="6400" b="1" cap="all" dirty="0">
+                <a:solidFill>
+                  <a:srgbClr val="000066"/>
+                </a:solidFill>
+                <a:latin typeface="微軟正黑體" pitchFamily="34" charset="-120"/>
+                <a:ea typeface="微軟正黑體" pitchFamily="34" charset="-120"/>
+              </a:rPr>
+              <a:t>柱</a:t>
+            </a:r>
+            <a:endParaRPr lang="en-US" altLang="zh-CN" sz="6400" b="1" cap="all" dirty="0">
+              <a:solidFill>
+                <a:srgbClr val="000066"/>
+              </a:solidFill>
+              <a:latin typeface="微軟正黑體" pitchFamily="34" charset="-120"/>
+              <a:ea typeface="微軟正黑體" pitchFamily="34" charset="-120"/>
+            </a:endParaRPr>
+          </a:p>
+          <a:p>
+            <a:pPr marL="0" indent="0" algn="ctr">
+              <a:buNone/>
+            </a:pPr>
+            <a:r>
+              <a:rPr lang="zh-CN" altLang="zh-TW" sz="6400" b="1" cap="all" dirty="0">
+                <a:solidFill>
+                  <a:srgbClr val="000066"/>
+                </a:solidFill>
+                <a:latin typeface="微軟正黑體" pitchFamily="34" charset="-120"/>
+                <a:ea typeface="微軟正黑體" pitchFamily="34" charset="-120"/>
+              </a:rPr>
+              <a:t>引</a:t>
+            </a:r>
+            <a:r>
+              <a:rPr lang="zh-CN" altLang="zh-TW" sz="6400" b="1" cap="all" dirty="0">
+                <a:solidFill>
+                  <a:srgbClr val="000066"/>
+                </a:solidFill>
+                <a:latin typeface="微軟正黑體" pitchFamily="34" charset="-120"/>
+                <a:ea typeface="微軟正黑體" pitchFamily="34" charset="-120"/>
+              </a:rPr>
+              <a:t>我前路不走錯</a:t>
+            </a:r>
+            <a:endParaRPr lang="en-US" altLang="zh-CN" sz="6400" b="1" cap="all" dirty="0">
+              <a:solidFill>
+                <a:srgbClr val="000066"/>
+              </a:solidFill>
+              <a:latin typeface="微軟正黑體" pitchFamily="34" charset="-120"/>
+              <a:ea typeface="微軟正黑體" pitchFamily="34" charset="-120"/>
+            </a:endParaRPr>
+          </a:p>
+        </p:txBody>
+      </p:sp>
+      <p:sp>
+        <p:nvSpPr>
+          <p:cNvPr id="4" name="TextBox 3"/>
+          <p:cNvSpPr txBox="1"/>
+          <p:nvPr/>
+        </p:nvSpPr>
+        <p:spPr>
+          <a:xfrm>
+            <a:off x="0" y="5061181"/>
+            <a:ext cx="12192000" cy="666786"/>
+          </a:xfrm>
+          <a:prstGeom prst="rect">
+            <a:avLst/>
+          </a:prstGeom>
+          <a:noFill/>
+        </p:spPr>
+        <p:txBody>
+          <a:bodyPr wrap="square" rtlCol="0">
+            <a:spAutoFit/>
+          </a:bodyPr>
+          <a:lstStyle/>
+          <a:p>
+            <a:pPr algn="ctr"/>
+            <a:r>
+              <a:rPr lang="en-US" sz="3733" b="1" dirty="0">
+                <a:solidFill>
+                  <a:srgbClr val="000066"/>
+                </a:solidFill>
+              </a:rPr>
+              <a:t>( </a:t>
+            </a:r>
+            <a:r>
+              <a:rPr lang="en-US" sz="3733" b="1" dirty="0">
+                <a:solidFill>
+                  <a:srgbClr val="000066"/>
+                </a:solidFill>
+              </a:rPr>
+              <a:t>2 / 3 </a:t>
+            </a:r>
+            <a:r>
+              <a:rPr lang="en-US" sz="3733" b="1" dirty="0">
+                <a:solidFill>
+                  <a:srgbClr val="000066"/>
+                </a:solidFill>
+              </a:rPr>
+              <a:t>)</a:t>
+            </a:r>
+            <a:endParaRPr lang="vi-VN" sz="3733" b="1" dirty="0">
+              <a:solidFill>
+                <a:srgbClr val="000066"/>
+              </a:solidFill>
+            </a:endParaRPr>
+          </a:p>
+        </p:txBody>
+      </p:sp>
+    </p:spTree>
+    <p:extLst>
+      <p:ext uri="{BB962C8B-B14F-4D97-AF65-F5344CB8AC3E}">
+        <p14:creationId xmlns:p14="http://schemas.microsoft.com/office/powerpoint/2010/main" val="2260906473"/>
+      </p:ext>
+    </p:extLst>
+  </p:cSld>
+  <p:clrMapOvr>
+    <a:masterClrMapping/>
+  </p:clrMapOvr>
+</p:sld>
+</file>
+
+<file path=ppt/slides/slide7.xml><?xml version="1.0" encoding="utf-8"?>
+<p:sld xmlns:a="http://schemas.openxmlformats.org/drawingml/2006/main" xmlns:r="http://schemas.openxmlformats.org/officeDocument/2006/relationships" xmlns:p="http://schemas.openxmlformats.org/presentationml/2006/main">
+  <p:cSld>
+    <p:spTree>
+      <p:nvGrpSpPr>
+        <p:cNvPr id="1" name=""/>
+        <p:cNvGrpSpPr/>
+        <p:nvPr/>
+      </p:nvGrpSpPr>
+      <p:grpSpPr>
+        <a:xfrm>
+          <a:off x="0" y="0"/>
+          <a:ext cx="0" cy="0"/>
+          <a:chOff x="0" y="0"/>
+          <a:chExt cx="0" cy="0"/>
+        </a:xfrm>
+      </p:grpSpPr>
+      <p:sp>
+        <p:nvSpPr>
+          <p:cNvPr id="5" name="內容版面配置區 4"/>
+          <p:cNvSpPr>
+            <a:spLocks noGrp="1"/>
+          </p:cNvSpPr>
+          <p:nvPr>
+            <p:ph idx="1"/>
+          </p:nvPr>
+        </p:nvSpPr>
+        <p:spPr>
+          <a:xfrm>
+            <a:off x="0" y="2084851"/>
+            <a:ext cx="12192000" cy="2404863"/>
+          </a:xfrm>
+        </p:spPr>
+        <p:txBody>
+          <a:bodyPr anchor="ctr">
+            <a:normAutofit/>
+          </a:bodyPr>
+          <a:lstStyle/>
+          <a:p>
+            <a:pPr marL="0" indent="0" algn="ctr">
+              <a:buNone/>
+            </a:pPr>
+            <a:r>
+              <a:rPr lang="zh-CN" altLang="zh-TW" sz="6400" b="1" cap="all" dirty="0">
+                <a:solidFill>
+                  <a:srgbClr val="000066"/>
+                </a:solidFill>
+                <a:latin typeface="微軟正黑體" pitchFamily="34" charset="-120"/>
+                <a:ea typeface="微軟正黑體" pitchFamily="34" charset="-120"/>
+              </a:rPr>
+              <a:t>全能救主</a:t>
+            </a:r>
+            <a:r>
+              <a:rPr lang="en-US" altLang="zh-CN" sz="6400" b="1" cap="all" dirty="0">
+                <a:solidFill>
+                  <a:srgbClr val="000066"/>
+                </a:solidFill>
+                <a:latin typeface="微軟正黑體" pitchFamily="34" charset="-120"/>
+                <a:ea typeface="微軟正黑體" pitchFamily="34" charset="-120"/>
+              </a:rPr>
+              <a:t>  </a:t>
+            </a:r>
+            <a:r>
+              <a:rPr lang="zh-CN" altLang="zh-TW" sz="6400" b="1" cap="all" dirty="0">
+                <a:solidFill>
+                  <a:srgbClr val="000066"/>
+                </a:solidFill>
+                <a:latin typeface="微軟正黑體" pitchFamily="34" charset="-120"/>
+                <a:ea typeface="微軟正黑體" pitchFamily="34" charset="-120"/>
+              </a:rPr>
+              <a:t>做我籐牌保護我</a:t>
+            </a:r>
+          </a:p>
+          <a:p>
+            <a:pPr marL="0" indent="0" algn="ctr">
+              <a:buNone/>
+            </a:pPr>
+            <a:r>
+              <a:rPr lang="zh-CN" altLang="zh-TW" sz="6400" b="1" cap="all" dirty="0">
+                <a:solidFill>
+                  <a:srgbClr val="000066"/>
+                </a:solidFill>
+                <a:latin typeface="微軟正黑體" pitchFamily="34" charset="-120"/>
+                <a:ea typeface="微軟正黑體" pitchFamily="34" charset="-120"/>
+              </a:rPr>
+              <a:t>全能救主</a:t>
+            </a:r>
+            <a:r>
+              <a:rPr lang="en-US" altLang="zh-CN" sz="6400" b="1" cap="all" dirty="0">
+                <a:solidFill>
+                  <a:srgbClr val="000066"/>
+                </a:solidFill>
+                <a:latin typeface="微軟正黑體" pitchFamily="34" charset="-120"/>
+                <a:ea typeface="微軟正黑體" pitchFamily="34" charset="-120"/>
+              </a:rPr>
+              <a:t>  </a:t>
+            </a:r>
+            <a:r>
+              <a:rPr lang="zh-CN" altLang="zh-TW" sz="6400" b="1" cap="all" dirty="0">
+                <a:solidFill>
+                  <a:srgbClr val="000066"/>
+                </a:solidFill>
+                <a:latin typeface="微軟正黑體" pitchFamily="34" charset="-120"/>
+                <a:ea typeface="微軟正黑體" pitchFamily="34" charset="-120"/>
+                <a:sym typeface="+mn-ea"/>
+              </a:rPr>
+              <a:t>做我籐牌保護我</a:t>
+            </a:r>
+            <a:endParaRPr lang="zh-CN" altLang="zh-TW" sz="6400" b="1" cap="all" dirty="0">
+              <a:solidFill>
+                <a:srgbClr val="000066"/>
+              </a:solidFill>
+              <a:latin typeface="微軟正黑體" pitchFamily="34" charset="-120"/>
+              <a:ea typeface="微軟正黑體" pitchFamily="34" charset="-120"/>
+            </a:endParaRPr>
+          </a:p>
+        </p:txBody>
+      </p:sp>
+      <p:sp>
+        <p:nvSpPr>
+          <p:cNvPr id="4" name="TextBox 3"/>
+          <p:cNvSpPr txBox="1"/>
+          <p:nvPr/>
+        </p:nvSpPr>
+        <p:spPr>
+          <a:xfrm>
+            <a:off x="0" y="5061181"/>
+            <a:ext cx="12192000" cy="666786"/>
+          </a:xfrm>
+          <a:prstGeom prst="rect">
+            <a:avLst/>
+          </a:prstGeom>
+          <a:noFill/>
+        </p:spPr>
+        <p:txBody>
+          <a:bodyPr wrap="square" rtlCol="0">
+            <a:spAutoFit/>
+          </a:bodyPr>
+          <a:lstStyle/>
+          <a:p>
+            <a:pPr algn="ctr"/>
+            <a:r>
+              <a:rPr lang="en-US" sz="3733" b="1" dirty="0">
+                <a:solidFill>
+                  <a:srgbClr val="000066"/>
+                </a:solidFill>
+              </a:rPr>
+              <a:t>( </a:t>
+            </a:r>
+            <a:r>
+              <a:rPr lang="en-US" sz="3733" b="1" dirty="0">
+                <a:solidFill>
+                  <a:srgbClr val="000066"/>
+                </a:solidFill>
+              </a:rPr>
+              <a:t>2 / 3 </a:t>
+            </a:r>
+            <a:r>
+              <a:rPr lang="en-US" sz="3733" b="1" dirty="0">
+                <a:solidFill>
+                  <a:srgbClr val="000066"/>
+                </a:solidFill>
+              </a:rPr>
+              <a:t>)</a:t>
+            </a:r>
+            <a:endParaRPr lang="vi-VN" sz="3733" b="1" dirty="0">
+              <a:solidFill>
+                <a:srgbClr val="000066"/>
+              </a:solidFill>
+            </a:endParaRPr>
+          </a:p>
+        </p:txBody>
+      </p:sp>
+    </p:spTree>
+    <p:extLst>
+      <p:ext uri="{BB962C8B-B14F-4D97-AF65-F5344CB8AC3E}">
+        <p14:creationId xmlns:p14="http://schemas.microsoft.com/office/powerpoint/2010/main" val="132231673"/>
+      </p:ext>
+    </p:extLst>
+  </p:cSld>
+  <p:clrMapOvr>
+    <a:masterClrMapping/>
+  </p:clrMapOvr>
+</p:sld>
+</file>
+
+<file path=ppt/slides/slide8.xml><?xml version="1.0" encoding="utf-8"?>
+<p:sld xmlns:a="http://schemas.openxmlformats.org/drawingml/2006/main" xmlns:r="http://schemas.openxmlformats.org/officeDocument/2006/relationships" xmlns:p="http://schemas.openxmlformats.org/presentationml/2006/main">
+  <p:cSld>
+    <p:spTree>
+      <p:nvGrpSpPr>
+        <p:cNvPr id="1" name=""/>
+        <p:cNvGrpSpPr/>
+        <p:nvPr/>
+      </p:nvGrpSpPr>
+      <p:grpSpPr>
+        <a:xfrm>
+          <a:off x="0" y="0"/>
+          <a:ext cx="0" cy="0"/>
+          <a:chOff x="0" y="0"/>
+          <a:chExt cx="0" cy="0"/>
+        </a:xfrm>
+      </p:grpSpPr>
+      <p:sp>
+        <p:nvSpPr>
+          <p:cNvPr id="5" name="內容版面配置區 4"/>
+          <p:cNvSpPr>
+            <a:spLocks noGrp="1"/>
+          </p:cNvSpPr>
+          <p:nvPr>
+            <p:ph idx="1"/>
+          </p:nvPr>
+        </p:nvSpPr>
+        <p:spPr>
+          <a:xfrm>
+            <a:off x="0" y="2084851"/>
+            <a:ext cx="12192000" cy="2404863"/>
+          </a:xfrm>
+        </p:spPr>
+        <p:txBody>
+          <a:bodyPr anchor="ctr">
+            <a:normAutofit/>
+          </a:bodyPr>
+          <a:lstStyle/>
+          <a:p>
+            <a:pPr marL="0" indent="0" algn="ctr">
+              <a:buNone/>
+            </a:pPr>
+            <a:r>
+              <a:rPr lang="zh-CN" altLang="zh-TW" sz="6400" b="1" cap="all" dirty="0">
+                <a:solidFill>
+                  <a:srgbClr val="000066"/>
+                </a:solidFill>
+                <a:latin typeface="微軟正黑體" pitchFamily="34" charset="-120"/>
+                <a:ea typeface="微軟正黑體" pitchFamily="34" charset="-120"/>
+              </a:rPr>
+              <a:t>至終臨到約但河</a:t>
+            </a:r>
+            <a:r>
+              <a:rPr lang="zh-CN" altLang="zh-TW" sz="6400" b="1" cap="all" dirty="0">
+                <a:solidFill>
+                  <a:srgbClr val="000066"/>
+                </a:solidFill>
+                <a:latin typeface="微軟正黑體" pitchFamily="34" charset="-120"/>
+                <a:ea typeface="微軟正黑體" pitchFamily="34" charset="-120"/>
+              </a:rPr>
+              <a:t>畔</a:t>
+            </a:r>
+            <a:endParaRPr lang="en-US" altLang="zh-CN" sz="6400" b="1" cap="all" dirty="0">
+              <a:solidFill>
+                <a:srgbClr val="000066"/>
+              </a:solidFill>
+              <a:latin typeface="微軟正黑體" pitchFamily="34" charset="-120"/>
+              <a:ea typeface="微軟正黑體" pitchFamily="34" charset="-120"/>
+            </a:endParaRPr>
+          </a:p>
+          <a:p>
+            <a:pPr marL="0" indent="0" algn="ctr">
+              <a:buNone/>
+            </a:pPr>
+            <a:r>
+              <a:rPr lang="zh-CN" altLang="zh-TW" sz="6400" b="1" cap="all" dirty="0">
+                <a:solidFill>
+                  <a:srgbClr val="000066"/>
+                </a:solidFill>
+                <a:latin typeface="微軟正黑體" pitchFamily="34" charset="-120"/>
+                <a:ea typeface="微軟正黑體" pitchFamily="34" charset="-120"/>
+              </a:rPr>
+              <a:t>望</a:t>
+            </a:r>
+            <a:r>
+              <a:rPr lang="zh-CN" altLang="zh-TW" sz="6400" b="1" cap="all" dirty="0">
+                <a:solidFill>
+                  <a:srgbClr val="000066"/>
+                </a:solidFill>
+                <a:latin typeface="微軟正黑體" pitchFamily="34" charset="-120"/>
+                <a:ea typeface="微軟正黑體" pitchFamily="34" charset="-120"/>
+              </a:rPr>
+              <a:t>主使我無恐惶</a:t>
+            </a:r>
+          </a:p>
+        </p:txBody>
+      </p:sp>
+      <p:sp>
+        <p:nvSpPr>
+          <p:cNvPr id="4" name="TextBox 3"/>
+          <p:cNvSpPr txBox="1"/>
+          <p:nvPr/>
+        </p:nvSpPr>
+        <p:spPr>
+          <a:xfrm>
+            <a:off x="0" y="5061181"/>
+            <a:ext cx="12192000" cy="666786"/>
+          </a:xfrm>
+          <a:prstGeom prst="rect">
+            <a:avLst/>
+          </a:prstGeom>
+          <a:noFill/>
+        </p:spPr>
+        <p:txBody>
+          <a:bodyPr wrap="square" rtlCol="0">
+            <a:spAutoFit/>
+          </a:bodyPr>
+          <a:lstStyle/>
+          <a:p>
+            <a:pPr algn="ctr"/>
+            <a:r>
+              <a:rPr lang="en-US" sz="3733" b="1" dirty="0">
+                <a:solidFill>
+                  <a:srgbClr val="000066"/>
+                </a:solidFill>
+              </a:rPr>
+              <a:t>( </a:t>
+            </a:r>
+            <a:r>
+              <a:rPr lang="en-US" sz="3733" b="1" dirty="0">
+                <a:solidFill>
+                  <a:srgbClr val="000066"/>
+                </a:solidFill>
+              </a:rPr>
+              <a:t>3 / 3 </a:t>
+            </a:r>
+            <a:r>
+              <a:rPr lang="en-US" sz="3733" b="1" dirty="0">
+                <a:solidFill>
+                  <a:srgbClr val="000066"/>
+                </a:solidFill>
+              </a:rPr>
+              <a:t>)</a:t>
+            </a:r>
+            <a:endParaRPr lang="vi-VN" sz="3733" b="1" dirty="0">
+              <a:solidFill>
+                <a:srgbClr val="000066"/>
+              </a:solidFill>
+            </a:endParaRPr>
+          </a:p>
+        </p:txBody>
+      </p:sp>
+    </p:spTree>
+    <p:extLst>
+      <p:ext uri="{BB962C8B-B14F-4D97-AF65-F5344CB8AC3E}">
+        <p14:creationId xmlns:p14="http://schemas.microsoft.com/office/powerpoint/2010/main" val="1541648667"/>
+      </p:ext>
+    </p:extLst>
+  </p:cSld>
+  <p:clrMapOvr>
+    <a:masterClrMapping/>
+  </p:clrMapOvr>
+</p:sld>
+</file>
+
+<file path=ppt/slides/slide9.xml><?xml version="1.0" encoding="utf-8"?>
+<p:sld xmlns:a="http://schemas.openxmlformats.org/drawingml/2006/main" xmlns:r="http://schemas.openxmlformats.org/officeDocument/2006/relationships" xmlns:p="http://schemas.openxmlformats.org/presentationml/2006/main">
+  <p:cSld>
+    <p:spTree>
+      <p:nvGrpSpPr>
+        <p:cNvPr id="1" name=""/>
+        <p:cNvGrpSpPr/>
+        <p:nvPr/>
+      </p:nvGrpSpPr>
+      <p:grpSpPr>
+        <a:xfrm>
+          <a:off x="0" y="0"/>
+          <a:ext cx="0" cy="0"/>
+          <a:chOff x="0" y="0"/>
+          <a:chExt cx="0" cy="0"/>
+        </a:xfrm>
+      </p:grpSpPr>
+      <p:sp>
+        <p:nvSpPr>
+          <p:cNvPr id="5" name="內容版面配置區 4"/>
+          <p:cNvSpPr>
+            <a:spLocks noGrp="1"/>
+          </p:cNvSpPr>
+          <p:nvPr>
+            <p:ph idx="1"/>
+          </p:nvPr>
+        </p:nvSpPr>
+        <p:spPr>
+          <a:xfrm>
+            <a:off x="0" y="2084851"/>
+            <a:ext cx="12192000" cy="2404863"/>
+          </a:xfrm>
+        </p:spPr>
+        <p:txBody>
+          <a:bodyPr anchor="ctr">
+            <a:normAutofit/>
+          </a:bodyPr>
+          <a:lstStyle/>
+          <a:p>
+            <a:pPr marL="0" indent="0" algn="ctr">
+              <a:buNone/>
+            </a:pPr>
+            <a:r>
+              <a:rPr lang="zh-CN" altLang="zh-TW" sz="6400" b="1" cap="all" dirty="0">
+                <a:solidFill>
+                  <a:srgbClr val="000066"/>
+                </a:solidFill>
+                <a:latin typeface="微軟正黑體" pitchFamily="34" charset="-120"/>
+                <a:ea typeface="微軟正黑體" pitchFamily="34" charset="-120"/>
+              </a:rPr>
+              <a:t>主曾攻獄以死勝</a:t>
+            </a:r>
+            <a:r>
+              <a:rPr lang="zh-CN" altLang="zh-TW" sz="6400" b="1" cap="all" dirty="0">
+                <a:solidFill>
+                  <a:srgbClr val="000066"/>
+                </a:solidFill>
+                <a:latin typeface="微軟正黑體" pitchFamily="34" charset="-120"/>
+                <a:ea typeface="微軟正黑體" pitchFamily="34" charset="-120"/>
+              </a:rPr>
+              <a:t>死</a:t>
+            </a:r>
+            <a:endParaRPr lang="en-US" altLang="zh-CN" sz="6400" b="1" cap="all" dirty="0">
+              <a:solidFill>
+                <a:srgbClr val="000066"/>
+              </a:solidFill>
+              <a:latin typeface="微軟正黑體" pitchFamily="34" charset="-120"/>
+              <a:ea typeface="微軟正黑體" pitchFamily="34" charset="-120"/>
+            </a:endParaRPr>
+          </a:p>
+          <a:p>
+            <a:pPr marL="0" indent="0" algn="ctr">
+              <a:buNone/>
+            </a:pPr>
+            <a:r>
+              <a:rPr lang="zh-CN" altLang="zh-TW" sz="6400" b="1" cap="all" dirty="0">
+                <a:solidFill>
+                  <a:srgbClr val="000066"/>
+                </a:solidFill>
+                <a:latin typeface="微軟正黑體" pitchFamily="34" charset="-120"/>
+                <a:ea typeface="微軟正黑體" pitchFamily="34" charset="-120"/>
+              </a:rPr>
+              <a:t>救</a:t>
+            </a:r>
+            <a:r>
+              <a:rPr lang="zh-CN" altLang="zh-TW" sz="6400" b="1" cap="all" dirty="0">
+                <a:solidFill>
+                  <a:srgbClr val="000066"/>
+                </a:solidFill>
+                <a:latin typeface="微軟正黑體" pitchFamily="34" charset="-120"/>
+                <a:ea typeface="微軟正黑體" pitchFamily="34" charset="-120"/>
+              </a:rPr>
+              <a:t>我安穩到天鄉</a:t>
+            </a:r>
+            <a:endParaRPr lang="en-US" altLang="zh-CN" sz="6400" b="1" cap="all" dirty="0">
+              <a:solidFill>
+                <a:srgbClr val="000066"/>
+              </a:solidFill>
+              <a:latin typeface="微軟正黑體" pitchFamily="34" charset="-120"/>
+              <a:ea typeface="微軟正黑體" pitchFamily="34" charset="-120"/>
+            </a:endParaRPr>
+          </a:p>
+        </p:txBody>
+      </p:sp>
+      <p:sp>
+        <p:nvSpPr>
+          <p:cNvPr id="4" name="TextBox 3"/>
+          <p:cNvSpPr txBox="1"/>
+          <p:nvPr/>
+        </p:nvSpPr>
+        <p:spPr>
+          <a:xfrm>
+            <a:off x="0" y="5061181"/>
+            <a:ext cx="12192000" cy="666786"/>
+          </a:xfrm>
+          <a:prstGeom prst="rect">
+            <a:avLst/>
+          </a:prstGeom>
+          <a:noFill/>
+        </p:spPr>
+        <p:txBody>
+          <a:bodyPr wrap="square" rtlCol="0">
+            <a:spAutoFit/>
+          </a:bodyPr>
+          <a:lstStyle/>
+          <a:p>
+            <a:pPr algn="ctr"/>
+            <a:r>
+              <a:rPr lang="en-US" sz="3733" b="1" dirty="0">
+                <a:solidFill>
+                  <a:srgbClr val="000066"/>
+                </a:solidFill>
+              </a:rPr>
+              <a:t>( </a:t>
+            </a:r>
+            <a:r>
+              <a:rPr lang="en-US" sz="3733" b="1" dirty="0">
+                <a:solidFill>
+                  <a:srgbClr val="000066"/>
+                </a:solidFill>
+              </a:rPr>
+              <a:t>3 / 3 </a:t>
+            </a:r>
+            <a:r>
+              <a:rPr lang="en-US" sz="3733" b="1" dirty="0">
+                <a:solidFill>
+                  <a:srgbClr val="000066"/>
+                </a:solidFill>
+              </a:rPr>
+              <a:t>)</a:t>
+            </a:r>
+            <a:endParaRPr lang="vi-VN" sz="3733" b="1" dirty="0">
+              <a:solidFill>
+                <a:srgbClr val="000066"/>
+              </a:solidFill>
+            </a:endParaRPr>
+          </a:p>
+        </p:txBody>
+      </p:sp>
+    </p:spTree>
+    <p:extLst>
+      <p:ext uri="{BB962C8B-B14F-4D97-AF65-F5344CB8AC3E}">
+        <p14:creationId xmlns:p14="http://schemas.microsoft.com/office/powerpoint/2010/main" val="1457701512"/>
       </p:ext>
     </p:extLst>
   </p:cSld>
